--- a/テンプレ.pptx
+++ b/テンプレ.pptx
@@ -217,7 +217,7 @@
           <a:p>
             <a:fld id="{803DD6A6-FCD2-4EE7-8E6E-99C1A1F687BC}" type="datetimeFigureOut">
               <a:rPr kumimoji="1" lang="ja-JP" altLang="en-US" smtClean="0"/>
-              <a:t>2018/9/10</a:t>
+              <a:t>2018/9/20</a:t>
             </a:fld>
             <a:endParaRPr kumimoji="1" lang="ja-JP" altLang="en-US"/>
           </a:p>
@@ -902,7 +902,7 @@
           <a:p>
             <a:fld id="{0C2D592E-2292-4305-9592-EC97400E21B7}" type="datetime1">
               <a:rPr kumimoji="1" lang="ja-JP" altLang="en-US" smtClean="0"/>
-              <a:t>2018/9/10</a:t>
+              <a:t>2018/9/20</a:t>
             </a:fld>
             <a:endParaRPr kumimoji="1" lang="ja-JP" altLang="en-US"/>
           </a:p>
@@ -1112,7 +1112,7 @@
           <a:p>
             <a:fld id="{E508CA83-B01D-4BAB-B4E2-CF9244F45EF5}" type="datetime1">
               <a:rPr kumimoji="1" lang="ja-JP" altLang="en-US" smtClean="0"/>
-              <a:t>2018/9/10</a:t>
+              <a:t>2018/9/20</a:t>
             </a:fld>
             <a:endParaRPr kumimoji="1" lang="ja-JP" altLang="en-US"/>
           </a:p>
@@ -1317,7 +1317,7 @@
           <a:p>
             <a:fld id="{01E93D1F-BE2F-43FF-9803-5758F1FF87BE}" type="datetime1">
               <a:rPr kumimoji="1" lang="ja-JP" altLang="en-US" smtClean="0"/>
-              <a:t>2018/9/10</a:t>
+              <a:t>2018/9/20</a:t>
             </a:fld>
             <a:endParaRPr kumimoji="1" lang="ja-JP" altLang="en-US"/>
           </a:p>
@@ -1634,7 +1634,7 @@
           <a:p>
             <a:fld id="{EFA39CE0-7535-4E0E-AFE3-F465E7C7C0FF}" type="datetime1">
               <a:rPr kumimoji="1" lang="ja-JP" altLang="en-US" smtClean="0"/>
-              <a:t>2018/9/10</a:t>
+              <a:t>2018/9/20</a:t>
             </a:fld>
             <a:endParaRPr kumimoji="1" lang="ja-JP" altLang="en-US"/>
           </a:p>
@@ -1983,7 +1983,7 @@
           <a:p>
             <a:fld id="{D45C9DD0-C75C-4A45-9030-13826D815CA0}" type="datetime1">
               <a:rPr kumimoji="1" lang="ja-JP" altLang="en-US" smtClean="0"/>
-              <a:t>2018/9/10</a:t>
+              <a:t>2018/9/20</a:t>
             </a:fld>
             <a:endParaRPr kumimoji="1" lang="ja-JP" altLang="en-US"/>
           </a:p>
@@ -2466,7 +2466,7 @@
           <a:p>
             <a:fld id="{CCA1C7AD-18BB-4F25-AC23-F39BF79F4D77}" type="datetime1">
               <a:rPr kumimoji="1" lang="ja-JP" altLang="en-US" smtClean="0"/>
-              <a:t>2018/9/10</a:t>
+              <a:t>2018/9/20</a:t>
             </a:fld>
             <a:endParaRPr kumimoji="1" lang="ja-JP" altLang="en-US"/>
           </a:p>
@@ -2583,7 +2583,7 @@
           <a:p>
             <a:fld id="{AF8EE08C-AC9E-42E7-9719-2A54CCDFBD7D}" type="datetime1">
               <a:rPr kumimoji="1" lang="ja-JP" altLang="en-US" smtClean="0"/>
-              <a:t>2018/9/10</a:t>
+              <a:t>2018/9/20</a:t>
             </a:fld>
             <a:endParaRPr kumimoji="1" lang="ja-JP" altLang="en-US"/>
           </a:p>
@@ -2678,7 +2678,7 @@
           <a:p>
             <a:fld id="{B8073CA2-C66C-41D1-B499-CAA6DB7D7D3A}" type="datetime1">
               <a:rPr kumimoji="1" lang="ja-JP" altLang="en-US" smtClean="0"/>
-              <a:t>2018/9/10</a:t>
+              <a:t>2018/9/20</a:t>
             </a:fld>
             <a:endParaRPr kumimoji="1" lang="ja-JP" altLang="en-US"/>
           </a:p>
@@ -2985,7 +2985,7 @@
           <a:p>
             <a:fld id="{DFBD8235-0C14-4155-9991-B1E146E33912}" type="datetime1">
               <a:rPr kumimoji="1" lang="ja-JP" altLang="en-US" smtClean="0"/>
-              <a:t>2018/9/10</a:t>
+              <a:t>2018/9/20</a:t>
             </a:fld>
             <a:endParaRPr kumimoji="1" lang="ja-JP" altLang="en-US"/>
           </a:p>
@@ -3240,7 +3240,7 @@
           <a:p>
             <a:fld id="{2A91B658-7182-4FD9-A82F-002C38D9BA43}" type="datetime1">
               <a:rPr kumimoji="1" lang="ja-JP" altLang="en-US" smtClean="0"/>
-              <a:t>2018/9/10</a:t>
+              <a:t>2018/9/20</a:t>
             </a:fld>
             <a:endParaRPr kumimoji="1" lang="ja-JP" altLang="en-US"/>
           </a:p>
@@ -3483,7 +3483,7 @@
           <a:p>
             <a:fld id="{5EABF07F-C525-453C-82CD-1DECD51CCA53}" type="datetime1">
               <a:rPr kumimoji="1" lang="ja-JP" altLang="en-US" smtClean="0"/>
-              <a:t>2018/9/10</a:t>
+              <a:t>2018/9/20</a:t>
             </a:fld>
             <a:endParaRPr kumimoji="1" lang="ja-JP" altLang="en-US"/>
           </a:p>

--- a/テンプレ.pptx
+++ b/テンプレ.pptx
@@ -5,10 +5,17 @@
     <p:sldMasterId id="2147483648" r:id="rId1"/>
   </p:sldMasterIdLst>
   <p:notesMasterIdLst>
-    <p:notesMasterId r:id="rId3"/>
+    <p:notesMasterId r:id="rId10"/>
   </p:notesMasterIdLst>
   <p:sldIdLst>
     <p:sldId id="256" r:id="rId2"/>
+    <p:sldId id="257" r:id="rId3"/>
+    <p:sldId id="259" r:id="rId4"/>
+    <p:sldId id="260" r:id="rId5"/>
+    <p:sldId id="261" r:id="rId6"/>
+    <p:sldId id="262" r:id="rId7"/>
+    <p:sldId id="263" r:id="rId8"/>
+    <p:sldId id="258" r:id="rId9"/>
   </p:sldIdLst>
   <p:sldSz cx="9144000" cy="6858000" type="screen4x3"/>
   <p:notesSz cx="6858000" cy="9144000"/>
@@ -113,6 +120,13 @@
         <p14:section name="既定のセクション" id="{F16C0970-AE49-C14F-B39C-514FC6A8B575}">
           <p14:sldIdLst>
             <p14:sldId id="256"/>
+            <p14:sldId id="257"/>
+            <p14:sldId id="259"/>
+            <p14:sldId id="260"/>
+            <p14:sldId id="261"/>
+            <p14:sldId id="262"/>
+            <p14:sldId id="263"/>
+            <p14:sldId id="258"/>
           </p14:sldIdLst>
         </p14:section>
       </p14:sectionLst>
@@ -217,7 +231,7 @@
           <a:p>
             <a:fld id="{803DD6A6-FCD2-4EE7-8E6E-99C1A1F687BC}" type="datetimeFigureOut">
               <a:rPr kumimoji="1" lang="ja-JP" altLang="en-US" smtClean="0"/>
-              <a:t>2018/9/20</a:t>
+              <a:t>2018/10/15</a:t>
             </a:fld>
             <a:endParaRPr kumimoji="1" lang="ja-JP" altLang="en-US"/>
           </a:p>
@@ -902,7 +916,7 @@
           <a:p>
             <a:fld id="{0C2D592E-2292-4305-9592-EC97400E21B7}" type="datetime1">
               <a:rPr kumimoji="1" lang="ja-JP" altLang="en-US" smtClean="0"/>
-              <a:t>2018/9/20</a:t>
+              <a:t>2018/10/15</a:t>
             </a:fld>
             <a:endParaRPr kumimoji="1" lang="ja-JP" altLang="en-US"/>
           </a:p>
@@ -1112,7 +1126,7 @@
           <a:p>
             <a:fld id="{E508CA83-B01D-4BAB-B4E2-CF9244F45EF5}" type="datetime1">
               <a:rPr kumimoji="1" lang="ja-JP" altLang="en-US" smtClean="0"/>
-              <a:t>2018/9/20</a:t>
+              <a:t>2018/10/15</a:t>
             </a:fld>
             <a:endParaRPr kumimoji="1" lang="ja-JP" altLang="en-US"/>
           </a:p>
@@ -1317,7 +1331,7 @@
           <a:p>
             <a:fld id="{01E93D1F-BE2F-43FF-9803-5758F1FF87BE}" type="datetime1">
               <a:rPr kumimoji="1" lang="ja-JP" altLang="en-US" smtClean="0"/>
-              <a:t>2018/9/20</a:t>
+              <a:t>2018/10/15</a:t>
             </a:fld>
             <a:endParaRPr kumimoji="1" lang="ja-JP" altLang="en-US"/>
           </a:p>
@@ -1634,7 +1648,7 @@
           <a:p>
             <a:fld id="{EFA39CE0-7535-4E0E-AFE3-F465E7C7C0FF}" type="datetime1">
               <a:rPr kumimoji="1" lang="ja-JP" altLang="en-US" smtClean="0"/>
-              <a:t>2018/9/20</a:t>
+              <a:t>2018/10/15</a:t>
             </a:fld>
             <a:endParaRPr kumimoji="1" lang="ja-JP" altLang="en-US"/>
           </a:p>
@@ -1983,7 +1997,7 @@
           <a:p>
             <a:fld id="{D45C9DD0-C75C-4A45-9030-13826D815CA0}" type="datetime1">
               <a:rPr kumimoji="1" lang="ja-JP" altLang="en-US" smtClean="0"/>
-              <a:t>2018/9/20</a:t>
+              <a:t>2018/10/15</a:t>
             </a:fld>
             <a:endParaRPr kumimoji="1" lang="ja-JP" altLang="en-US"/>
           </a:p>
@@ -2466,7 +2480,7 @@
           <a:p>
             <a:fld id="{CCA1C7AD-18BB-4F25-AC23-F39BF79F4D77}" type="datetime1">
               <a:rPr kumimoji="1" lang="ja-JP" altLang="en-US" smtClean="0"/>
-              <a:t>2018/9/20</a:t>
+              <a:t>2018/10/15</a:t>
             </a:fld>
             <a:endParaRPr kumimoji="1" lang="ja-JP" altLang="en-US"/>
           </a:p>
@@ -2583,7 +2597,7 @@
           <a:p>
             <a:fld id="{AF8EE08C-AC9E-42E7-9719-2A54CCDFBD7D}" type="datetime1">
               <a:rPr kumimoji="1" lang="ja-JP" altLang="en-US" smtClean="0"/>
-              <a:t>2018/9/20</a:t>
+              <a:t>2018/10/15</a:t>
             </a:fld>
             <a:endParaRPr kumimoji="1" lang="ja-JP" altLang="en-US"/>
           </a:p>
@@ -2678,7 +2692,7 @@
           <a:p>
             <a:fld id="{B8073CA2-C66C-41D1-B499-CAA6DB7D7D3A}" type="datetime1">
               <a:rPr kumimoji="1" lang="ja-JP" altLang="en-US" smtClean="0"/>
-              <a:t>2018/9/20</a:t>
+              <a:t>2018/10/15</a:t>
             </a:fld>
             <a:endParaRPr kumimoji="1" lang="ja-JP" altLang="en-US"/>
           </a:p>
@@ -2985,7 +2999,7 @@
           <a:p>
             <a:fld id="{DFBD8235-0C14-4155-9991-B1E146E33912}" type="datetime1">
               <a:rPr kumimoji="1" lang="ja-JP" altLang="en-US" smtClean="0"/>
-              <a:t>2018/9/20</a:t>
+              <a:t>2018/10/15</a:t>
             </a:fld>
             <a:endParaRPr kumimoji="1" lang="ja-JP" altLang="en-US"/>
           </a:p>
@@ -3240,7 +3254,7 @@
           <a:p>
             <a:fld id="{2A91B658-7182-4FD9-A82F-002C38D9BA43}" type="datetime1">
               <a:rPr kumimoji="1" lang="ja-JP" altLang="en-US" smtClean="0"/>
-              <a:t>2018/9/20</a:t>
+              <a:t>2018/10/15</a:t>
             </a:fld>
             <a:endParaRPr kumimoji="1" lang="ja-JP" altLang="en-US"/>
           </a:p>
@@ -3483,7 +3497,7 @@
           <a:p>
             <a:fld id="{5EABF07F-C525-453C-82CD-1DECD51CCA53}" type="datetime1">
               <a:rPr kumimoji="1" lang="ja-JP" altLang="en-US" smtClean="0"/>
-              <a:t>2018/9/20</a:t>
+              <a:t>2018/10/15</a:t>
             </a:fld>
             <a:endParaRPr kumimoji="1" lang="ja-JP" altLang="en-US"/>
           </a:p>
@@ -3929,6 +3943,993 @@
 </p:sld>
 </file>
 
+<file path=ppt/slides/slide2.xml><?xml version="1.0" encoding="utf-8"?>
+<p:sld xmlns:a="http://schemas.openxmlformats.org/drawingml/2006/main" xmlns:r="http://schemas.openxmlformats.org/officeDocument/2006/relationships" xmlns:p="http://schemas.openxmlformats.org/presentationml/2006/main">
+  <p:cSld>
+    <p:spTree>
+      <p:nvGrpSpPr>
+        <p:cNvPr id="1" name=""/>
+        <p:cNvGrpSpPr/>
+        <p:nvPr/>
+      </p:nvGrpSpPr>
+      <p:grpSpPr>
+        <a:xfrm>
+          <a:off x="0" y="0"/>
+          <a:ext cx="0" cy="0"/>
+          <a:chOff x="0" y="0"/>
+          <a:chExt cx="0" cy="0"/>
+        </a:xfrm>
+      </p:grpSpPr>
+      <p:sp>
+        <p:nvSpPr>
+          <p:cNvPr id="2" name="タイトル 1"/>
+          <p:cNvSpPr>
+            <a:spLocks noGrp="1"/>
+          </p:cNvSpPr>
+          <p:nvPr>
+            <p:ph type="title"/>
+          </p:nvPr>
+        </p:nvSpPr>
+        <p:spPr/>
+        <p:txBody>
+          <a:bodyPr/>
+          <a:lstStyle/>
+          <a:p>
+            <a:r>
+              <a:rPr lang="ja-JP" altLang="en-US" dirty="0" smtClean="0"/>
+              <a:t>進捗</a:t>
+            </a:r>
+            <a:endParaRPr kumimoji="1" lang="ja-JP" altLang="en-US" dirty="0"/>
+          </a:p>
+        </p:txBody>
+      </p:sp>
+      <p:sp>
+        <p:nvSpPr>
+          <p:cNvPr id="3" name="コンテンツ プレースホルダー 2"/>
+          <p:cNvSpPr>
+            <a:spLocks noGrp="1"/>
+          </p:cNvSpPr>
+          <p:nvPr>
+            <p:ph idx="1"/>
+          </p:nvPr>
+        </p:nvSpPr>
+        <p:spPr/>
+        <p:txBody>
+          <a:bodyPr/>
+          <a:lstStyle/>
+          <a:p>
+            <a:r>
+              <a:rPr lang="ja-JP" altLang="en-US" dirty="0" smtClean="0"/>
+              <a:t>署名を</a:t>
+            </a:r>
+            <a:r>
+              <a:rPr lang="en-US" altLang="ja-JP" dirty="0" smtClean="0"/>
+              <a:t>Ruby</a:t>
+            </a:r>
+            <a:r>
+              <a:rPr lang="ja-JP" altLang="en-US" dirty="0" smtClean="0"/>
+              <a:t>で制作</a:t>
+            </a:r>
+            <a:endParaRPr kumimoji="1" lang="ja-JP" altLang="en-US" dirty="0"/>
+          </a:p>
+        </p:txBody>
+      </p:sp>
+      <p:sp>
+        <p:nvSpPr>
+          <p:cNvPr id="4" name="スライド番号プレースホルダー 3"/>
+          <p:cNvSpPr>
+            <a:spLocks noGrp="1"/>
+          </p:cNvSpPr>
+          <p:nvPr>
+            <p:ph type="sldNum" sz="quarter" idx="12"/>
+          </p:nvPr>
+        </p:nvSpPr>
+        <p:spPr/>
+        <p:txBody>
+          <a:bodyPr/>
+          <a:lstStyle/>
+          <a:p>
+            <a:pPr algn="ctr"/>
+            <a:fld id="{CA23F248-F353-4F36-A746-B1953A38AE2D}" type="slidenum">
+              <a:rPr lang="ja-JP" altLang="en-US" smtClean="0"/>
+              <a:pPr algn="ctr"/>
+              <a:t>2</a:t>
+            </a:fld>
+            <a:endParaRPr lang="ja-JP" altLang="en-US" dirty="0"/>
+          </a:p>
+        </p:txBody>
+      </p:sp>
+    </p:spTree>
+    <p:extLst>
+      <p:ext uri="{BB962C8B-B14F-4D97-AF65-F5344CB8AC3E}">
+        <p14:creationId xmlns:p14="http://schemas.microsoft.com/office/powerpoint/2010/main" val="244405037"/>
+      </p:ext>
+    </p:extLst>
+  </p:cSld>
+  <p:clrMapOvr>
+    <a:masterClrMapping/>
+  </p:clrMapOvr>
+</p:sld>
+</file>
+
+<file path=ppt/slides/slide3.xml><?xml version="1.0" encoding="utf-8"?>
+<p:sld xmlns:a="http://schemas.openxmlformats.org/drawingml/2006/main" xmlns:r="http://schemas.openxmlformats.org/officeDocument/2006/relationships" xmlns:p="http://schemas.openxmlformats.org/presentationml/2006/main">
+  <p:cSld>
+    <p:spTree>
+      <p:nvGrpSpPr>
+        <p:cNvPr id="1" name=""/>
+        <p:cNvGrpSpPr/>
+        <p:nvPr/>
+      </p:nvGrpSpPr>
+      <p:grpSpPr>
+        <a:xfrm>
+          <a:off x="0" y="0"/>
+          <a:ext cx="0" cy="0"/>
+          <a:chOff x="0" y="0"/>
+          <a:chExt cx="0" cy="0"/>
+        </a:xfrm>
+      </p:grpSpPr>
+      <p:sp>
+        <p:nvSpPr>
+          <p:cNvPr id="2" name="タイトル 1"/>
+          <p:cNvSpPr>
+            <a:spLocks noGrp="1"/>
+          </p:cNvSpPr>
+          <p:nvPr>
+            <p:ph type="title"/>
+          </p:nvPr>
+        </p:nvSpPr>
+        <p:spPr/>
+        <p:txBody>
+          <a:bodyPr/>
+          <a:lstStyle/>
+          <a:p>
+            <a:endParaRPr kumimoji="1" lang="ja-JP" altLang="en-US" dirty="0"/>
+          </a:p>
+        </p:txBody>
+      </p:sp>
+      <p:sp>
+        <p:nvSpPr>
+          <p:cNvPr id="3" name="コンテンツ プレースホルダー 2"/>
+          <p:cNvSpPr>
+            <a:spLocks noGrp="1"/>
+          </p:cNvSpPr>
+          <p:nvPr>
+            <p:ph idx="1"/>
+          </p:nvPr>
+        </p:nvSpPr>
+        <p:spPr/>
+        <p:txBody>
+          <a:bodyPr/>
+          <a:lstStyle/>
+          <a:p>
+            <a:r>
+              <a:rPr kumimoji="1" lang="en-US" altLang="ja-JP" dirty="0" err="1" smtClean="0"/>
+              <a:t>Params</a:t>
+            </a:r>
+            <a:r>
+              <a:rPr kumimoji="1" lang="ja-JP" altLang="en-US" dirty="0" smtClean="0"/>
+              <a:t>で受け取ると文字列で返される。</a:t>
+            </a:r>
+            <a:r>
+              <a:rPr kumimoji="1" lang="en-US" altLang="ja-JP" dirty="0" smtClean="0"/>
+              <a:t/>
+            </a:r>
+            <a:br>
+              <a:rPr kumimoji="1" lang="en-US" altLang="ja-JP" dirty="0" smtClean="0"/>
+            </a:br>
+            <a:r>
+              <a:rPr kumimoji="1" lang="ja-JP" altLang="en-US" dirty="0" smtClean="0"/>
+              <a:t>ー</a:t>
+            </a:r>
+            <a:r>
+              <a:rPr lang="ja-JP" altLang="en-US" sz="2800" dirty="0" smtClean="0"/>
+              <a:t>文字列の中から指定した文字列を削除するコマンドで、いらないものを排除</a:t>
+            </a:r>
+            <a:r>
+              <a:rPr lang="en-US" altLang="ja-JP" sz="2800" dirty="0" smtClean="0"/>
+              <a:t/>
+            </a:r>
+            <a:br>
+              <a:rPr lang="en-US" altLang="ja-JP" sz="2800" dirty="0" smtClean="0"/>
+            </a:br>
+            <a:r>
+              <a:rPr lang="en-US" altLang="ja-JP" sz="2800" dirty="0" smtClean="0"/>
+              <a:t/>
+            </a:r>
+            <a:br>
+              <a:rPr lang="en-US" altLang="ja-JP" sz="2800" dirty="0" smtClean="0"/>
+            </a:br>
+            <a:r>
+              <a:rPr lang="en-US" altLang="ja-JP" sz="2800" dirty="0" smtClean="0"/>
+              <a:t>delete</a:t>
+            </a:r>
+            <a:r>
+              <a:rPr lang="ja-JP" altLang="en-US" sz="2800" dirty="0" smtClean="0"/>
+              <a:t>を使用し、</a:t>
+            </a:r>
+            <a:r>
+              <a:rPr lang="en-US" altLang="ja-JP" sz="2800" dirty="0" smtClean="0"/>
+              <a:t>(:action),(:</a:t>
+            </a:r>
+            <a:r>
+              <a:rPr lang="en-US" altLang="ja-JP" sz="2800" dirty="0" err="1" smtClean="0"/>
+              <a:t>contoller</a:t>
+            </a:r>
+            <a:r>
+              <a:rPr lang="en-US" altLang="ja-JP" sz="2800" dirty="0" smtClean="0"/>
+              <a:t>),(:</a:t>
+            </a:r>
+            <a:r>
+              <a:rPr lang="en-US" altLang="ja-JP" sz="2800" dirty="0" err="1" smtClean="0"/>
+              <a:t>oauth_signature</a:t>
+            </a:r>
+            <a:r>
+              <a:rPr lang="en-US" altLang="ja-JP" sz="2800" dirty="0" smtClean="0"/>
+              <a:t>)</a:t>
+            </a:r>
+            <a:r>
+              <a:rPr lang="ja-JP" altLang="en-US" sz="2800" dirty="0" smtClean="0"/>
+              <a:t>を削除</a:t>
+            </a:r>
+            <a:endParaRPr lang="en-US" altLang="ja-JP" sz="2800" dirty="0" smtClean="0"/>
+          </a:p>
+          <a:p>
+            <a:endParaRPr kumimoji="1" lang="en-US" altLang="ja-JP" sz="2800" dirty="0" smtClean="0"/>
+          </a:p>
+        </p:txBody>
+      </p:sp>
+      <p:sp>
+        <p:nvSpPr>
+          <p:cNvPr id="4" name="スライド番号プレースホルダー 3"/>
+          <p:cNvSpPr>
+            <a:spLocks noGrp="1"/>
+          </p:cNvSpPr>
+          <p:nvPr>
+            <p:ph type="sldNum" sz="quarter" idx="12"/>
+          </p:nvPr>
+        </p:nvSpPr>
+        <p:spPr/>
+        <p:txBody>
+          <a:bodyPr/>
+          <a:lstStyle/>
+          <a:p>
+            <a:pPr algn="ctr"/>
+            <a:fld id="{CA23F248-F353-4F36-A746-B1953A38AE2D}" type="slidenum">
+              <a:rPr lang="ja-JP" altLang="en-US" smtClean="0"/>
+              <a:pPr algn="ctr"/>
+              <a:t>3</a:t>
+            </a:fld>
+            <a:endParaRPr lang="ja-JP" altLang="en-US" dirty="0"/>
+          </a:p>
+        </p:txBody>
+      </p:sp>
+    </p:spTree>
+    <p:extLst>
+      <p:ext uri="{BB962C8B-B14F-4D97-AF65-F5344CB8AC3E}">
+        <p14:creationId xmlns:p14="http://schemas.microsoft.com/office/powerpoint/2010/main" val="374782535"/>
+      </p:ext>
+    </p:extLst>
+  </p:cSld>
+  <p:clrMapOvr>
+    <a:masterClrMapping/>
+  </p:clrMapOvr>
+</p:sld>
+</file>
+
+<file path=ppt/slides/slide4.xml><?xml version="1.0" encoding="utf-8"?>
+<p:sld xmlns:a="http://schemas.openxmlformats.org/drawingml/2006/main" xmlns:r="http://schemas.openxmlformats.org/officeDocument/2006/relationships" xmlns:p="http://schemas.openxmlformats.org/presentationml/2006/main">
+  <p:cSld>
+    <p:spTree>
+      <p:nvGrpSpPr>
+        <p:cNvPr id="1" name=""/>
+        <p:cNvGrpSpPr/>
+        <p:nvPr/>
+      </p:nvGrpSpPr>
+      <p:grpSpPr>
+        <a:xfrm>
+          <a:off x="0" y="0"/>
+          <a:ext cx="0" cy="0"/>
+          <a:chOff x="0" y="0"/>
+          <a:chExt cx="0" cy="0"/>
+        </a:xfrm>
+      </p:grpSpPr>
+      <p:sp>
+        <p:nvSpPr>
+          <p:cNvPr id="2" name="タイトル 1"/>
+          <p:cNvSpPr>
+            <a:spLocks noGrp="1"/>
+          </p:cNvSpPr>
+          <p:nvPr>
+            <p:ph type="title"/>
+          </p:nvPr>
+        </p:nvSpPr>
+        <p:spPr/>
+        <p:txBody>
+          <a:bodyPr/>
+          <a:lstStyle/>
+          <a:p>
+            <a:endParaRPr kumimoji="1" lang="ja-JP" altLang="en-US"/>
+          </a:p>
+        </p:txBody>
+      </p:sp>
+      <p:sp>
+        <p:nvSpPr>
+          <p:cNvPr id="3" name="コンテンツ プレースホルダー 2"/>
+          <p:cNvSpPr>
+            <a:spLocks noGrp="1"/>
+          </p:cNvSpPr>
+          <p:nvPr>
+            <p:ph idx="1"/>
+          </p:nvPr>
+        </p:nvSpPr>
+        <p:spPr/>
+        <p:txBody>
+          <a:bodyPr/>
+          <a:lstStyle/>
+          <a:p>
+            <a:r>
+              <a:rPr kumimoji="1" lang="ja-JP" altLang="en-US" dirty="0" smtClean="0"/>
+              <a:t>不必要な物を削除したデータをハッシュ化</a:t>
+            </a:r>
+            <a:endParaRPr kumimoji="1" lang="en-US" altLang="ja-JP" dirty="0" smtClean="0"/>
+          </a:p>
+          <a:p>
+            <a:r>
+              <a:rPr lang="ja-JP" altLang="en-US" dirty="0" smtClean="0"/>
+              <a:t>ハッシュ化したデータを</a:t>
+            </a:r>
+            <a:r>
+              <a:rPr lang="en-US" altLang="ja-JP" dirty="0" smtClean="0"/>
+              <a:t>sort</a:t>
+            </a:r>
+            <a:r>
+              <a:rPr lang="ja-JP" altLang="en-US" dirty="0" smtClean="0"/>
+              <a:t>コマンドでアルファベット順にソート</a:t>
+            </a:r>
+            <a:endParaRPr kumimoji="1" lang="ja-JP" altLang="en-US" dirty="0"/>
+          </a:p>
+        </p:txBody>
+      </p:sp>
+      <p:sp>
+        <p:nvSpPr>
+          <p:cNvPr id="4" name="スライド番号プレースホルダー 3"/>
+          <p:cNvSpPr>
+            <a:spLocks noGrp="1"/>
+          </p:cNvSpPr>
+          <p:nvPr>
+            <p:ph type="sldNum" sz="quarter" idx="12"/>
+          </p:nvPr>
+        </p:nvSpPr>
+        <p:spPr/>
+        <p:txBody>
+          <a:bodyPr/>
+          <a:lstStyle/>
+          <a:p>
+            <a:pPr algn="ctr"/>
+            <a:fld id="{CA23F248-F353-4F36-A746-B1953A38AE2D}" type="slidenum">
+              <a:rPr lang="ja-JP" altLang="en-US" smtClean="0"/>
+              <a:pPr algn="ctr"/>
+              <a:t>4</a:t>
+            </a:fld>
+            <a:endParaRPr lang="ja-JP" altLang="en-US" dirty="0"/>
+          </a:p>
+        </p:txBody>
+      </p:sp>
+    </p:spTree>
+    <p:extLst>
+      <p:ext uri="{BB962C8B-B14F-4D97-AF65-F5344CB8AC3E}">
+        <p14:creationId xmlns:p14="http://schemas.microsoft.com/office/powerpoint/2010/main" val="99217753"/>
+      </p:ext>
+    </p:extLst>
+  </p:cSld>
+  <p:clrMapOvr>
+    <a:masterClrMapping/>
+  </p:clrMapOvr>
+</p:sld>
+</file>
+
+<file path=ppt/slides/slide5.xml><?xml version="1.0" encoding="utf-8"?>
+<p:sld xmlns:a="http://schemas.openxmlformats.org/drawingml/2006/main" xmlns:r="http://schemas.openxmlformats.org/officeDocument/2006/relationships" xmlns:p="http://schemas.openxmlformats.org/presentationml/2006/main">
+  <p:cSld>
+    <p:spTree>
+      <p:nvGrpSpPr>
+        <p:cNvPr id="1" name=""/>
+        <p:cNvGrpSpPr/>
+        <p:nvPr/>
+      </p:nvGrpSpPr>
+      <p:grpSpPr>
+        <a:xfrm>
+          <a:off x="0" y="0"/>
+          <a:ext cx="0" cy="0"/>
+          <a:chOff x="0" y="0"/>
+          <a:chExt cx="0" cy="0"/>
+        </a:xfrm>
+      </p:grpSpPr>
+      <p:sp>
+        <p:nvSpPr>
+          <p:cNvPr id="2" name="タイトル 1"/>
+          <p:cNvSpPr>
+            <a:spLocks noGrp="1"/>
+          </p:cNvSpPr>
+          <p:nvPr>
+            <p:ph type="title"/>
+          </p:nvPr>
+        </p:nvSpPr>
+        <p:spPr/>
+        <p:txBody>
+          <a:bodyPr/>
+          <a:lstStyle/>
+          <a:p>
+            <a:endParaRPr kumimoji="1" lang="ja-JP" altLang="en-US"/>
+          </a:p>
+        </p:txBody>
+      </p:sp>
+      <p:sp>
+        <p:nvSpPr>
+          <p:cNvPr id="3" name="コンテンツ プレースホルダー 2"/>
+          <p:cNvSpPr>
+            <a:spLocks noGrp="1"/>
+          </p:cNvSpPr>
+          <p:nvPr>
+            <p:ph idx="1"/>
+          </p:nvPr>
+        </p:nvSpPr>
+        <p:spPr/>
+        <p:txBody>
+          <a:bodyPr/>
+          <a:lstStyle/>
+          <a:p>
+            <a:r>
+              <a:rPr kumimoji="1" lang="ja-JP" altLang="en-US" dirty="0" smtClean="0"/>
+              <a:t>ソートした値を</a:t>
+            </a:r>
+            <a:r>
+              <a:rPr kumimoji="1" lang="en-US" altLang="ja-JP" dirty="0" smtClean="0"/>
+              <a:t>key=value&amp;</a:t>
+            </a:r>
+            <a:r>
+              <a:rPr kumimoji="1" lang="mr-IN" altLang="ja-JP" dirty="0" smtClean="0"/>
+              <a:t>…</a:t>
+            </a:r>
+            <a:r>
+              <a:rPr kumimoji="1" lang="ja-JP" altLang="en-US" dirty="0" smtClean="0"/>
+              <a:t>という形へ</a:t>
+            </a:r>
+            <a:r>
+              <a:rPr lang="en-US" altLang="ja-JP" dirty="0"/>
+              <a:t/>
+            </a:r>
+            <a:br>
+              <a:rPr lang="en-US" altLang="ja-JP" dirty="0"/>
+            </a:br>
+            <a:r>
+              <a:rPr lang="ja-JP" altLang="en-US" dirty="0" smtClean="0"/>
+              <a:t>ー</a:t>
+            </a:r>
+            <a:r>
+              <a:rPr kumimoji="1" lang="ja-JP" altLang="en-US" sz="2800" dirty="0" smtClean="0"/>
+              <a:t>ソートすると二次元配列で返されるので、変数</a:t>
+            </a:r>
+            <a:r>
+              <a:rPr kumimoji="1" lang="en-US" altLang="ja-JP" sz="2800" dirty="0" smtClean="0"/>
+              <a:t>[0][0] + “=” + </a:t>
+            </a:r>
+            <a:r>
+              <a:rPr kumimoji="1" lang="ja-JP" altLang="en-US" sz="2800" dirty="0" smtClean="0"/>
+              <a:t>変数</a:t>
+            </a:r>
+            <a:r>
+              <a:rPr kumimoji="1" lang="en-US" altLang="ja-JP" sz="2800" dirty="0" smtClean="0"/>
+              <a:t>[0][1] </a:t>
+            </a:r>
+            <a:r>
+              <a:rPr kumimoji="1" lang="ja-JP" altLang="en-US" sz="2800" dirty="0" smtClean="0"/>
+              <a:t>でつなげていった。</a:t>
+            </a:r>
+            <a:endParaRPr kumimoji="1" lang="en-US" altLang="ja-JP" sz="2800" dirty="0" smtClean="0"/>
+          </a:p>
+          <a:p>
+            <a:endParaRPr lang="en-US" altLang="ja-JP" sz="2800" dirty="0"/>
+          </a:p>
+          <a:p>
+            <a:r>
+              <a:rPr kumimoji="1" lang="ja-JP" altLang="en-US" sz="2800" dirty="0" smtClean="0"/>
+              <a:t>しかし、最後に＆がついってしまったので、最初は</a:t>
+            </a:r>
+            <a:r>
+              <a:rPr kumimoji="1" lang="en-US" altLang="ja-JP" sz="2800" dirty="0" smtClean="0"/>
+              <a:t>key=value</a:t>
+            </a:r>
+            <a:r>
+              <a:rPr kumimoji="1" lang="ja-JP" altLang="en-US" sz="2800" dirty="0" smtClean="0"/>
+              <a:t>という形でつなげ、２個目以降を</a:t>
+            </a:r>
+            <a:r>
+              <a:rPr lang="en-US" altLang="ja-JP" sz="2800" dirty="0" smtClean="0"/>
+              <a:t>&amp;key=value</a:t>
+            </a:r>
+            <a:r>
+              <a:rPr lang="ja-JP" altLang="en-US" sz="2800" dirty="0" smtClean="0"/>
+              <a:t>で繋ぐことで対処</a:t>
+            </a:r>
+            <a:endParaRPr kumimoji="1" lang="ja-JP" altLang="en-US" sz="2800" dirty="0"/>
+          </a:p>
+        </p:txBody>
+      </p:sp>
+      <p:sp>
+        <p:nvSpPr>
+          <p:cNvPr id="4" name="スライド番号プレースホルダー 3"/>
+          <p:cNvSpPr>
+            <a:spLocks noGrp="1"/>
+          </p:cNvSpPr>
+          <p:nvPr>
+            <p:ph type="sldNum" sz="quarter" idx="12"/>
+          </p:nvPr>
+        </p:nvSpPr>
+        <p:spPr/>
+        <p:txBody>
+          <a:bodyPr/>
+          <a:lstStyle/>
+          <a:p>
+            <a:pPr algn="ctr"/>
+            <a:fld id="{CA23F248-F353-4F36-A746-B1953A38AE2D}" type="slidenum">
+              <a:rPr lang="ja-JP" altLang="en-US" smtClean="0"/>
+              <a:pPr algn="ctr"/>
+              <a:t>5</a:t>
+            </a:fld>
+            <a:endParaRPr lang="ja-JP" altLang="en-US" dirty="0"/>
+          </a:p>
+        </p:txBody>
+      </p:sp>
+    </p:spTree>
+    <p:extLst>
+      <p:ext uri="{BB962C8B-B14F-4D97-AF65-F5344CB8AC3E}">
+        <p14:creationId xmlns:p14="http://schemas.microsoft.com/office/powerpoint/2010/main" val="1523085962"/>
+      </p:ext>
+    </p:extLst>
+  </p:cSld>
+  <p:clrMapOvr>
+    <a:masterClrMapping/>
+  </p:clrMapOvr>
+</p:sld>
+</file>
+
+<file path=ppt/slides/slide6.xml><?xml version="1.0" encoding="utf-8"?>
+<p:sld xmlns:a="http://schemas.openxmlformats.org/drawingml/2006/main" xmlns:r="http://schemas.openxmlformats.org/officeDocument/2006/relationships" xmlns:p="http://schemas.openxmlformats.org/presentationml/2006/main">
+  <p:cSld>
+    <p:spTree>
+      <p:nvGrpSpPr>
+        <p:cNvPr id="1" name=""/>
+        <p:cNvGrpSpPr/>
+        <p:nvPr/>
+      </p:nvGrpSpPr>
+      <p:grpSpPr>
+        <a:xfrm>
+          <a:off x="0" y="0"/>
+          <a:ext cx="0" cy="0"/>
+          <a:chOff x="0" y="0"/>
+          <a:chExt cx="0" cy="0"/>
+        </a:xfrm>
+      </p:grpSpPr>
+      <p:sp>
+        <p:nvSpPr>
+          <p:cNvPr id="2" name="タイトル 1"/>
+          <p:cNvSpPr>
+            <a:spLocks noGrp="1"/>
+          </p:cNvSpPr>
+          <p:nvPr>
+            <p:ph type="title"/>
+          </p:nvPr>
+        </p:nvSpPr>
+        <p:spPr/>
+        <p:txBody>
+          <a:bodyPr/>
+          <a:lstStyle/>
+          <a:p>
+            <a:endParaRPr kumimoji="1" lang="ja-JP" altLang="en-US"/>
+          </a:p>
+        </p:txBody>
+      </p:sp>
+      <p:sp>
+        <p:nvSpPr>
+          <p:cNvPr id="3" name="コンテンツ プレースホルダー 2"/>
+          <p:cNvSpPr>
+            <a:spLocks noGrp="1"/>
+          </p:cNvSpPr>
+          <p:nvPr>
+            <p:ph idx="1"/>
+          </p:nvPr>
+        </p:nvSpPr>
+        <p:spPr/>
+        <p:txBody>
+          <a:bodyPr/>
+          <a:lstStyle/>
+          <a:p>
+            <a:r>
+              <a:rPr lang="ja-JP" altLang="en-US" dirty="0" smtClean="0"/>
+              <a:t>署名において</a:t>
+            </a:r>
+            <a:r>
+              <a:rPr lang="en-US" altLang="ja-JP" dirty="0" err="1" smtClean="0"/>
+              <a:t>url</a:t>
+            </a:r>
+            <a:r>
+              <a:rPr lang="ja-JP" altLang="en-US" dirty="0" smtClean="0"/>
+              <a:t>エンコードが必要</a:t>
+            </a:r>
+            <a:r>
+              <a:rPr lang="en-US" altLang="ja-JP" dirty="0" smtClean="0"/>
+              <a:t/>
+            </a:r>
+            <a:br>
+              <a:rPr lang="en-US" altLang="ja-JP" dirty="0" smtClean="0"/>
+            </a:br>
+            <a:r>
+              <a:rPr lang="en-US" altLang="ja-JP" dirty="0" smtClean="0"/>
+              <a:t>-Ruby</a:t>
+            </a:r>
+            <a:r>
+              <a:rPr lang="ja-JP" altLang="en-US" dirty="0" smtClean="0"/>
+              <a:t>では</a:t>
+            </a:r>
+            <a:r>
+              <a:rPr lang="en-US" altLang="ja-JP" dirty="0" err="1" smtClean="0"/>
+              <a:t>CGI.escape,URI</a:t>
+            </a:r>
+            <a:r>
+              <a:rPr lang="en-US" altLang="ja-JP" dirty="0" smtClean="0"/>
+              <a:t> encode</a:t>
+            </a:r>
+            <a:r>
+              <a:rPr lang="ja-JP" altLang="en-US" dirty="0" smtClean="0"/>
+              <a:t>の二種類が存在。</a:t>
+            </a:r>
+            <a:r>
+              <a:rPr lang="en-US" altLang="ja-JP" dirty="0" smtClean="0"/>
+              <a:t/>
+            </a:r>
+            <a:br>
+              <a:rPr lang="en-US" altLang="ja-JP" dirty="0" smtClean="0"/>
+            </a:br>
+            <a:endParaRPr lang="en-US" altLang="ja-JP" dirty="0" smtClean="0"/>
+          </a:p>
+          <a:p>
+            <a:r>
+              <a:rPr kumimoji="1" lang="en-US" altLang="ja-JP" dirty="0" smtClean="0"/>
+              <a:t>RFC</a:t>
+            </a:r>
+            <a:r>
+              <a:rPr lang="en-US" altLang="ja-JP" dirty="0" smtClean="0"/>
+              <a:t>-3896</a:t>
+            </a:r>
+            <a:r>
+              <a:rPr lang="ja-JP" altLang="en-US" dirty="0" smtClean="0"/>
+              <a:t>仕様でエンコードしなければならなかったため、</a:t>
+            </a:r>
+            <a:r>
+              <a:rPr lang="en-US" altLang="ja-JP" dirty="0" err="1" smtClean="0"/>
+              <a:t>CGI.escape</a:t>
+            </a:r>
+            <a:r>
+              <a:rPr lang="ja-JP" altLang="en-US" dirty="0" smtClean="0"/>
+              <a:t>を使用</a:t>
+            </a:r>
+            <a:endParaRPr kumimoji="1" lang="en-US" altLang="ja-JP" dirty="0" smtClean="0"/>
+          </a:p>
+        </p:txBody>
+      </p:sp>
+      <p:sp>
+        <p:nvSpPr>
+          <p:cNvPr id="4" name="スライド番号プレースホルダー 3"/>
+          <p:cNvSpPr>
+            <a:spLocks noGrp="1"/>
+          </p:cNvSpPr>
+          <p:nvPr>
+            <p:ph type="sldNum" sz="quarter" idx="12"/>
+          </p:nvPr>
+        </p:nvSpPr>
+        <p:spPr/>
+        <p:txBody>
+          <a:bodyPr/>
+          <a:lstStyle/>
+          <a:p>
+            <a:pPr algn="ctr"/>
+            <a:fld id="{CA23F248-F353-4F36-A746-B1953A38AE2D}" type="slidenum">
+              <a:rPr lang="ja-JP" altLang="en-US" smtClean="0"/>
+              <a:pPr algn="ctr"/>
+              <a:t>6</a:t>
+            </a:fld>
+            <a:endParaRPr lang="ja-JP" altLang="en-US" dirty="0"/>
+          </a:p>
+        </p:txBody>
+      </p:sp>
+    </p:spTree>
+    <p:extLst>
+      <p:ext uri="{BB962C8B-B14F-4D97-AF65-F5344CB8AC3E}">
+        <p14:creationId xmlns:p14="http://schemas.microsoft.com/office/powerpoint/2010/main" val="1676041416"/>
+      </p:ext>
+    </p:extLst>
+  </p:cSld>
+  <p:clrMapOvr>
+    <a:masterClrMapping/>
+  </p:clrMapOvr>
+</p:sld>
+</file>
+
+<file path=ppt/slides/slide7.xml><?xml version="1.0" encoding="utf-8"?>
+<p:sld xmlns:a="http://schemas.openxmlformats.org/drawingml/2006/main" xmlns:r="http://schemas.openxmlformats.org/officeDocument/2006/relationships" xmlns:p="http://schemas.openxmlformats.org/presentationml/2006/main">
+  <p:cSld>
+    <p:spTree>
+      <p:nvGrpSpPr>
+        <p:cNvPr id="1" name=""/>
+        <p:cNvGrpSpPr/>
+        <p:nvPr/>
+      </p:nvGrpSpPr>
+      <p:grpSpPr>
+        <a:xfrm>
+          <a:off x="0" y="0"/>
+          <a:ext cx="0" cy="0"/>
+          <a:chOff x="0" y="0"/>
+          <a:chExt cx="0" cy="0"/>
+        </a:xfrm>
+      </p:grpSpPr>
+      <p:sp>
+        <p:nvSpPr>
+          <p:cNvPr id="2" name="タイトル 1"/>
+          <p:cNvSpPr>
+            <a:spLocks noGrp="1"/>
+          </p:cNvSpPr>
+          <p:nvPr>
+            <p:ph type="title"/>
+          </p:nvPr>
+        </p:nvSpPr>
+        <p:spPr/>
+        <p:txBody>
+          <a:bodyPr/>
+          <a:lstStyle/>
+          <a:p>
+            <a:endParaRPr kumimoji="1" lang="ja-JP" altLang="en-US"/>
+          </a:p>
+        </p:txBody>
+      </p:sp>
+      <p:sp>
+        <p:nvSpPr>
+          <p:cNvPr id="3" name="コンテンツ プレースホルダー 2"/>
+          <p:cNvSpPr>
+            <a:spLocks noGrp="1"/>
+          </p:cNvSpPr>
+          <p:nvPr>
+            <p:ph idx="1"/>
+          </p:nvPr>
+        </p:nvSpPr>
+        <p:spPr/>
+        <p:txBody>
+          <a:bodyPr/>
+          <a:lstStyle/>
+          <a:p>
+            <a:r>
+              <a:rPr kumimoji="1" lang="en-US" altLang="ja-JP" dirty="0" err="1" smtClean="0"/>
+              <a:t>CGI.escape</a:t>
+            </a:r>
+            <a:r>
+              <a:rPr kumimoji="1" lang="ja-JP" altLang="en-US" dirty="0" smtClean="0"/>
+              <a:t>では</a:t>
+            </a:r>
+            <a:r>
+              <a:rPr lang="en-US" altLang="ja-JP" dirty="0" smtClean="0"/>
+              <a:t>”+”</a:t>
+            </a:r>
+            <a:r>
+              <a:rPr lang="ja-JP" altLang="en-US" dirty="0" smtClean="0"/>
+              <a:t>をエンコードしなかった。</a:t>
+            </a:r>
+            <a:r>
+              <a:rPr lang="en-US" altLang="ja-JP" dirty="0" smtClean="0"/>
+              <a:t/>
+            </a:r>
+            <a:br>
+              <a:rPr lang="en-US" altLang="ja-JP" dirty="0" smtClean="0"/>
+            </a:br>
+            <a:r>
+              <a:rPr lang="en-US" altLang="ja-JP" dirty="0" smtClean="0"/>
+              <a:t>-</a:t>
+            </a:r>
+            <a:r>
+              <a:rPr lang="ja-JP" altLang="en-US" dirty="0" smtClean="0"/>
+              <a:t>予め</a:t>
+            </a:r>
+            <a:r>
+              <a:rPr lang="en-US" altLang="ja-JP" dirty="0" err="1" smtClean="0"/>
+              <a:t>url</a:t>
+            </a:r>
+            <a:r>
+              <a:rPr lang="ja-JP" altLang="en-US" dirty="0" smtClean="0"/>
+              <a:t>エンコードする前に</a:t>
+            </a:r>
+            <a:r>
+              <a:rPr lang="en-US" altLang="ja-JP" dirty="0" smtClean="0"/>
+              <a:t>”+”</a:t>
+            </a:r>
+            <a:r>
+              <a:rPr lang="ja-JP" altLang="en-US" dirty="0" smtClean="0"/>
+              <a:t>を</a:t>
+            </a:r>
+            <a:r>
+              <a:rPr lang="en-US" altLang="ja-JP" dirty="0" smtClean="0"/>
+              <a:t>”%20”</a:t>
+            </a:r>
+            <a:r>
+              <a:rPr lang="ja-JP" altLang="en-US" dirty="0" smtClean="0"/>
+              <a:t>に手動で置き換えるプログラムを書き、その上で</a:t>
+            </a:r>
+            <a:r>
+              <a:rPr lang="en-US" altLang="ja-JP" dirty="0" err="1" smtClean="0"/>
+              <a:t>CGI.escape</a:t>
+            </a:r>
+            <a:r>
+              <a:rPr lang="ja-JP" altLang="en-US" dirty="0" smtClean="0"/>
+              <a:t>することで対処した。</a:t>
+            </a:r>
+            <a:endParaRPr kumimoji="1" lang="ja-JP" altLang="en-US" dirty="0"/>
+          </a:p>
+        </p:txBody>
+      </p:sp>
+      <p:sp>
+        <p:nvSpPr>
+          <p:cNvPr id="4" name="スライド番号プレースホルダー 3"/>
+          <p:cNvSpPr>
+            <a:spLocks noGrp="1"/>
+          </p:cNvSpPr>
+          <p:nvPr>
+            <p:ph type="sldNum" sz="quarter" idx="12"/>
+          </p:nvPr>
+        </p:nvSpPr>
+        <p:spPr/>
+        <p:txBody>
+          <a:bodyPr/>
+          <a:lstStyle/>
+          <a:p>
+            <a:pPr algn="ctr"/>
+            <a:fld id="{CA23F248-F353-4F36-A746-B1953A38AE2D}" type="slidenum">
+              <a:rPr lang="ja-JP" altLang="en-US" smtClean="0"/>
+              <a:pPr algn="ctr"/>
+              <a:t>7</a:t>
+            </a:fld>
+            <a:endParaRPr lang="ja-JP" altLang="en-US" dirty="0"/>
+          </a:p>
+        </p:txBody>
+      </p:sp>
+    </p:spTree>
+    <p:extLst>
+      <p:ext uri="{BB962C8B-B14F-4D97-AF65-F5344CB8AC3E}">
+        <p14:creationId xmlns:p14="http://schemas.microsoft.com/office/powerpoint/2010/main" val="813825608"/>
+      </p:ext>
+    </p:extLst>
+  </p:cSld>
+  <p:clrMapOvr>
+    <a:masterClrMapping/>
+  </p:clrMapOvr>
+</p:sld>
+</file>
+
+<file path=ppt/slides/slide8.xml><?xml version="1.0" encoding="utf-8"?>
+<p:sld xmlns:a="http://schemas.openxmlformats.org/drawingml/2006/main" xmlns:r="http://schemas.openxmlformats.org/officeDocument/2006/relationships" xmlns:p="http://schemas.openxmlformats.org/presentationml/2006/main">
+  <p:cSld>
+    <p:spTree>
+      <p:nvGrpSpPr>
+        <p:cNvPr id="1" name=""/>
+        <p:cNvGrpSpPr/>
+        <p:nvPr/>
+      </p:nvGrpSpPr>
+      <p:grpSpPr>
+        <a:xfrm>
+          <a:off x="0" y="0"/>
+          <a:ext cx="0" cy="0"/>
+          <a:chOff x="0" y="0"/>
+          <a:chExt cx="0" cy="0"/>
+        </a:xfrm>
+      </p:grpSpPr>
+      <p:sp>
+        <p:nvSpPr>
+          <p:cNvPr id="2" name="タイトル 1"/>
+          <p:cNvSpPr>
+            <a:spLocks noGrp="1"/>
+          </p:cNvSpPr>
+          <p:nvPr>
+            <p:ph type="title"/>
+          </p:nvPr>
+        </p:nvSpPr>
+        <p:spPr/>
+        <p:txBody>
+          <a:bodyPr/>
+          <a:lstStyle/>
+          <a:p>
+            <a:r>
+              <a:rPr kumimoji="1" lang="ja-JP" altLang="en-US" dirty="0" smtClean="0"/>
+              <a:t>やること</a:t>
+            </a:r>
+            <a:endParaRPr kumimoji="1" lang="ja-JP" altLang="en-US" dirty="0"/>
+          </a:p>
+        </p:txBody>
+      </p:sp>
+      <p:sp>
+        <p:nvSpPr>
+          <p:cNvPr id="3" name="コンテンツ プレースホルダー 2"/>
+          <p:cNvSpPr>
+            <a:spLocks noGrp="1"/>
+          </p:cNvSpPr>
+          <p:nvPr>
+            <p:ph idx="1"/>
+          </p:nvPr>
+        </p:nvSpPr>
+        <p:spPr/>
+        <p:txBody>
+          <a:bodyPr/>
+          <a:lstStyle/>
+          <a:p>
+            <a:r>
+              <a:rPr kumimoji="1" lang="en-US" altLang="ja-JP" dirty="0" smtClean="0"/>
+              <a:t>HMAC-SHA1</a:t>
+            </a:r>
+            <a:r>
+              <a:rPr kumimoji="1" lang="ja-JP" altLang="en-US" dirty="0" smtClean="0"/>
+              <a:t>でハッシュ化し、</a:t>
+            </a:r>
+            <a:r>
+              <a:rPr kumimoji="1" lang="en-US" altLang="ja-JP" dirty="0" smtClean="0"/>
+              <a:t>base64</a:t>
+            </a:r>
+            <a:r>
+              <a:rPr kumimoji="1" lang="ja-JP" altLang="en-US" dirty="0" smtClean="0"/>
+              <a:t>エンコードする前の文字列の生成までは合っていることが確認できたので、</a:t>
+            </a:r>
+            <a:r>
+              <a:rPr lang="ja-JP" altLang="en-US" dirty="0" smtClean="0"/>
+              <a:t>ハッシュ化とエンコードのやり方を変えて正しい署名を生成する。</a:t>
+            </a:r>
+            <a:endParaRPr kumimoji="1" lang="ja-JP" altLang="en-US" dirty="0"/>
+          </a:p>
+        </p:txBody>
+      </p:sp>
+      <p:sp>
+        <p:nvSpPr>
+          <p:cNvPr id="4" name="スライド番号プレースホルダー 3"/>
+          <p:cNvSpPr>
+            <a:spLocks noGrp="1"/>
+          </p:cNvSpPr>
+          <p:nvPr>
+            <p:ph type="sldNum" sz="quarter" idx="12"/>
+          </p:nvPr>
+        </p:nvSpPr>
+        <p:spPr/>
+        <p:txBody>
+          <a:bodyPr/>
+          <a:lstStyle/>
+          <a:p>
+            <a:pPr algn="ctr"/>
+            <a:fld id="{CA23F248-F353-4F36-A746-B1953A38AE2D}" type="slidenum">
+              <a:rPr lang="ja-JP" altLang="en-US" smtClean="0"/>
+              <a:pPr algn="ctr"/>
+              <a:t>8</a:t>
+            </a:fld>
+            <a:endParaRPr lang="ja-JP" altLang="en-US" dirty="0"/>
+          </a:p>
+        </p:txBody>
+      </p:sp>
+    </p:spTree>
+    <p:extLst>
+      <p:ext uri="{BB962C8B-B14F-4D97-AF65-F5344CB8AC3E}">
+        <p14:creationId xmlns:p14="http://schemas.microsoft.com/office/powerpoint/2010/main" val="893208887"/>
+      </p:ext>
+    </p:extLst>
+  </p:cSld>
+  <p:clrMapOvr>
+    <a:masterClrMapping/>
+  </p:clrMapOvr>
+</p:sld>
+</file>
+
 <file path=ppt/theme/theme1.xml><?xml version="1.0" encoding="utf-8"?>
 <a:theme xmlns:a="http://schemas.openxmlformats.org/drawingml/2006/main" name="TDU">
   <a:themeElements>
@@ -3970,47 +4971,12 @@
         <a:srgbClr val="800080"/>
       </a:folHlink>
     </a:clrScheme>
-    <a:fontScheme name="Office">
+    <a:fontScheme name="Calibri">
       <a:majorFont>
-        <a:latin typeface="Calibri"/>
+        <a:latin typeface="Calibri" panose="020F0502020204030204"/>
         <a:ea typeface=""/>
         <a:cs typeface=""/>
-        <a:font script="Jpan" typeface="ＭＳ Ｐゴシック"/>
-        <a:font script="Hang" typeface="맑은 고딕"/>
-        <a:font script="Hans" typeface="宋体"/>
-        <a:font script="Hant" typeface="新細明體"/>
-        <a:font script="Arab" typeface="Times New Roman"/>
-        <a:font script="Hebr" typeface="Times New Roman"/>
-        <a:font script="Thai" typeface="Angsana New"/>
-        <a:font script="Ethi" typeface="Nyala"/>
-        <a:font script="Beng" typeface="Vrinda"/>
-        <a:font script="Gujr" typeface="Shruti"/>
-        <a:font script="Khmr" typeface="MoolBoran"/>
-        <a:font script="Knda" typeface="Tunga"/>
-        <a:font script="Guru" typeface="Raavi"/>
-        <a:font script="Cans" typeface="Euphemia"/>
-        <a:font script="Cher" typeface="Plantagenet Cherokee"/>
-        <a:font script="Yiii" typeface="Microsoft Yi Baiti"/>
-        <a:font script="Tibt" typeface="Microsoft Himalaya"/>
-        <a:font script="Thaa" typeface="MV Boli"/>
-        <a:font script="Deva" typeface="Mangal"/>
-        <a:font script="Telu" typeface="Gautami"/>
-        <a:font script="Taml" typeface="Latha"/>
-        <a:font script="Syrc" typeface="Estrangelo Edessa"/>
-        <a:font script="Orya" typeface="Kalinga"/>
-        <a:font script="Mlym" typeface="Kartika"/>
-        <a:font script="Laoo" typeface="DokChampa"/>
-        <a:font script="Sinh" typeface="Iskoola Pota"/>
-        <a:font script="Mong" typeface="Mongolian Baiti"/>
-        <a:font script="Viet" typeface="Times New Roman"/>
-        <a:font script="Uigh" typeface="Microsoft Uighur"/>
-        <a:font script="Geor" typeface="Sylfaen"/>
-      </a:majorFont>
-      <a:minorFont>
-        <a:latin typeface="Calibri"/>
-        <a:ea typeface=""/>
-        <a:cs typeface=""/>
-        <a:font script="Jpan" typeface="ＭＳ Ｐゴシック"/>
+        <a:font script="Jpan" typeface="メイリオ"/>
         <a:font script="Hang" typeface="맑은 고딕"/>
         <a:font script="Hans" typeface="宋体"/>
         <a:font script="Hant" typeface="新細明體"/>
@@ -4037,7 +5003,42 @@
         <a:font script="Laoo" typeface="DokChampa"/>
         <a:font script="Sinh" typeface="Iskoola Pota"/>
         <a:font script="Mong" typeface="Mongolian Baiti"/>
-        <a:font script="Viet" typeface="Arial"/>
+        <a:font script="Viet" typeface="Tahoma"/>
+        <a:font script="Uigh" typeface="Microsoft Uighur"/>
+        <a:font script="Geor" typeface="Sylfaen"/>
+      </a:majorFont>
+      <a:minorFont>
+        <a:latin typeface="Calibri" panose="020F0502020204030204"/>
+        <a:ea typeface=""/>
+        <a:cs typeface=""/>
+        <a:font script="Jpan" typeface="メイリオ"/>
+        <a:font script="Hang" typeface="맑은 고딕"/>
+        <a:font script="Hans" typeface="宋体"/>
+        <a:font script="Hant" typeface="新細明體"/>
+        <a:font script="Arab" typeface="Arial"/>
+        <a:font script="Hebr" typeface="Arial"/>
+        <a:font script="Thai" typeface="Cordia New"/>
+        <a:font script="Ethi" typeface="Nyala"/>
+        <a:font script="Beng" typeface="Vrinda"/>
+        <a:font script="Gujr" typeface="Shruti"/>
+        <a:font script="Khmr" typeface="DaunPenh"/>
+        <a:font script="Knda" typeface="Tunga"/>
+        <a:font script="Guru" typeface="Raavi"/>
+        <a:font script="Cans" typeface="Euphemia"/>
+        <a:font script="Cher" typeface="Plantagenet Cherokee"/>
+        <a:font script="Yiii" typeface="Microsoft Yi Baiti"/>
+        <a:font script="Tibt" typeface="Microsoft Himalaya"/>
+        <a:font script="Thaa" typeface="MV Boli"/>
+        <a:font script="Deva" typeface="Mangal"/>
+        <a:font script="Telu" typeface="Gautami"/>
+        <a:font script="Taml" typeface="Latha"/>
+        <a:font script="Syrc" typeface="Estrangelo Edessa"/>
+        <a:font script="Orya" typeface="Kalinga"/>
+        <a:font script="Mlym" typeface="Kartika"/>
+        <a:font script="Laoo" typeface="DokChampa"/>
+        <a:font script="Sinh" typeface="Iskoola Pota"/>
+        <a:font script="Mong" typeface="Mongolian Baiti"/>
+        <a:font script="Viet" typeface="Tahoma"/>
         <a:font script="Uigh" typeface="Microsoft Uighur"/>
         <a:font script="Geor" typeface="Sylfaen"/>
       </a:minorFont>

--- a/テンプレ.pptx
+++ b/テンプレ.pptx
@@ -5,17 +5,10 @@
     <p:sldMasterId id="2147483648" r:id="rId1"/>
   </p:sldMasterIdLst>
   <p:notesMasterIdLst>
-    <p:notesMasterId r:id="rId10"/>
+    <p:notesMasterId r:id="rId3"/>
   </p:notesMasterIdLst>
   <p:sldIdLst>
     <p:sldId id="256" r:id="rId2"/>
-    <p:sldId id="257" r:id="rId3"/>
-    <p:sldId id="259" r:id="rId4"/>
-    <p:sldId id="260" r:id="rId5"/>
-    <p:sldId id="261" r:id="rId6"/>
-    <p:sldId id="262" r:id="rId7"/>
-    <p:sldId id="263" r:id="rId8"/>
-    <p:sldId id="258" r:id="rId9"/>
   </p:sldIdLst>
   <p:sldSz cx="9144000" cy="6858000" type="screen4x3"/>
   <p:notesSz cx="6858000" cy="9144000"/>
@@ -120,13 +113,6 @@
         <p14:section name="既定のセクション" id="{F16C0970-AE49-C14F-B39C-514FC6A8B575}">
           <p14:sldIdLst>
             <p14:sldId id="256"/>
-            <p14:sldId id="257"/>
-            <p14:sldId id="259"/>
-            <p14:sldId id="260"/>
-            <p14:sldId id="261"/>
-            <p14:sldId id="262"/>
-            <p14:sldId id="263"/>
-            <p14:sldId id="258"/>
           </p14:sldIdLst>
         </p14:section>
       </p14:sectionLst>
@@ -144,6 +130,9 @@
           </p15:clr>
         </p15:guide>
       </p15:sldGuideLst>
+    </p:ext>
+    <p:ext uri="{2D200454-40CA-4A62-9FC3-DE9A4176ACB9}">
+      <p15:notesGuideLst xmlns:p15="http://schemas.microsoft.com/office/powerpoint/2012/main"/>
     </p:ext>
   </p:extLst>
 </p:presentation>
@@ -231,7 +220,7 @@
           <a:p>
             <a:fld id="{803DD6A6-FCD2-4EE7-8E6E-99C1A1F687BC}" type="datetimeFigureOut">
               <a:rPr kumimoji="1" lang="ja-JP" altLang="en-US" smtClean="0"/>
-              <a:t>2018/10/15</a:t>
+              <a:t>2018/10/20</a:t>
             </a:fld>
             <a:endParaRPr kumimoji="1" lang="ja-JP" altLang="en-US"/>
           </a:p>
@@ -916,7 +905,7 @@
           <a:p>
             <a:fld id="{0C2D592E-2292-4305-9592-EC97400E21B7}" type="datetime1">
               <a:rPr kumimoji="1" lang="ja-JP" altLang="en-US" smtClean="0"/>
-              <a:t>2018/10/15</a:t>
+              <a:t>2018/10/20</a:t>
             </a:fld>
             <a:endParaRPr kumimoji="1" lang="ja-JP" altLang="en-US"/>
           </a:p>
@@ -1126,7 +1115,7 @@
           <a:p>
             <a:fld id="{E508CA83-B01D-4BAB-B4E2-CF9244F45EF5}" type="datetime1">
               <a:rPr kumimoji="1" lang="ja-JP" altLang="en-US" smtClean="0"/>
-              <a:t>2018/10/15</a:t>
+              <a:t>2018/10/20</a:t>
             </a:fld>
             <a:endParaRPr kumimoji="1" lang="ja-JP" altLang="en-US"/>
           </a:p>
@@ -1331,7 +1320,7 @@
           <a:p>
             <a:fld id="{01E93D1F-BE2F-43FF-9803-5758F1FF87BE}" type="datetime1">
               <a:rPr kumimoji="1" lang="ja-JP" altLang="en-US" smtClean="0"/>
-              <a:t>2018/10/15</a:t>
+              <a:t>2018/10/20</a:t>
             </a:fld>
             <a:endParaRPr kumimoji="1" lang="ja-JP" altLang="en-US"/>
           </a:p>
@@ -1648,7 +1637,7 @@
           <a:p>
             <a:fld id="{EFA39CE0-7535-4E0E-AFE3-F465E7C7C0FF}" type="datetime1">
               <a:rPr kumimoji="1" lang="ja-JP" altLang="en-US" smtClean="0"/>
-              <a:t>2018/10/15</a:t>
+              <a:t>2018/10/20</a:t>
             </a:fld>
             <a:endParaRPr kumimoji="1" lang="ja-JP" altLang="en-US"/>
           </a:p>
@@ -1997,7 +1986,7 @@
           <a:p>
             <a:fld id="{D45C9DD0-C75C-4A45-9030-13826D815CA0}" type="datetime1">
               <a:rPr kumimoji="1" lang="ja-JP" altLang="en-US" smtClean="0"/>
-              <a:t>2018/10/15</a:t>
+              <a:t>2018/10/20</a:t>
             </a:fld>
             <a:endParaRPr kumimoji="1" lang="ja-JP" altLang="en-US"/>
           </a:p>
@@ -2480,7 +2469,7 @@
           <a:p>
             <a:fld id="{CCA1C7AD-18BB-4F25-AC23-F39BF79F4D77}" type="datetime1">
               <a:rPr kumimoji="1" lang="ja-JP" altLang="en-US" smtClean="0"/>
-              <a:t>2018/10/15</a:t>
+              <a:t>2018/10/20</a:t>
             </a:fld>
             <a:endParaRPr kumimoji="1" lang="ja-JP" altLang="en-US"/>
           </a:p>
@@ -2597,7 +2586,7 @@
           <a:p>
             <a:fld id="{AF8EE08C-AC9E-42E7-9719-2A54CCDFBD7D}" type="datetime1">
               <a:rPr kumimoji="1" lang="ja-JP" altLang="en-US" smtClean="0"/>
-              <a:t>2018/10/15</a:t>
+              <a:t>2018/10/20</a:t>
             </a:fld>
             <a:endParaRPr kumimoji="1" lang="ja-JP" altLang="en-US"/>
           </a:p>
@@ -2692,7 +2681,7 @@
           <a:p>
             <a:fld id="{B8073CA2-C66C-41D1-B499-CAA6DB7D7D3A}" type="datetime1">
               <a:rPr kumimoji="1" lang="ja-JP" altLang="en-US" smtClean="0"/>
-              <a:t>2018/10/15</a:t>
+              <a:t>2018/10/20</a:t>
             </a:fld>
             <a:endParaRPr kumimoji="1" lang="ja-JP" altLang="en-US"/>
           </a:p>
@@ -2999,7 +2988,7 @@
           <a:p>
             <a:fld id="{DFBD8235-0C14-4155-9991-B1E146E33912}" type="datetime1">
               <a:rPr kumimoji="1" lang="ja-JP" altLang="en-US" smtClean="0"/>
-              <a:t>2018/10/15</a:t>
+              <a:t>2018/10/20</a:t>
             </a:fld>
             <a:endParaRPr kumimoji="1" lang="ja-JP" altLang="en-US"/>
           </a:p>
@@ -3254,7 +3243,7 @@
           <a:p>
             <a:fld id="{2A91B658-7182-4FD9-A82F-002C38D9BA43}" type="datetime1">
               <a:rPr kumimoji="1" lang="ja-JP" altLang="en-US" smtClean="0"/>
-              <a:t>2018/10/15</a:t>
+              <a:t>2018/10/20</a:t>
             </a:fld>
             <a:endParaRPr kumimoji="1" lang="ja-JP" altLang="en-US"/>
           </a:p>
@@ -3497,7 +3486,7 @@
           <a:p>
             <a:fld id="{5EABF07F-C525-453C-82CD-1DECD51CCA53}" type="datetime1">
               <a:rPr kumimoji="1" lang="ja-JP" altLang="en-US" smtClean="0"/>
-              <a:t>2018/10/15</a:t>
+              <a:t>2018/10/20</a:t>
             </a:fld>
             <a:endParaRPr kumimoji="1" lang="ja-JP" altLang="en-US"/>
           </a:p>
@@ -3934,993 +3923,6 @@
     <p:extLst>
       <p:ext uri="{BB962C8B-B14F-4D97-AF65-F5344CB8AC3E}">
         <p14:creationId xmlns:p14="http://schemas.microsoft.com/office/powerpoint/2010/main" val="920729019"/>
-      </p:ext>
-    </p:extLst>
-  </p:cSld>
-  <p:clrMapOvr>
-    <a:masterClrMapping/>
-  </p:clrMapOvr>
-</p:sld>
-</file>
-
-<file path=ppt/slides/slide2.xml><?xml version="1.0" encoding="utf-8"?>
-<p:sld xmlns:a="http://schemas.openxmlformats.org/drawingml/2006/main" xmlns:r="http://schemas.openxmlformats.org/officeDocument/2006/relationships" xmlns:p="http://schemas.openxmlformats.org/presentationml/2006/main">
-  <p:cSld>
-    <p:spTree>
-      <p:nvGrpSpPr>
-        <p:cNvPr id="1" name=""/>
-        <p:cNvGrpSpPr/>
-        <p:nvPr/>
-      </p:nvGrpSpPr>
-      <p:grpSpPr>
-        <a:xfrm>
-          <a:off x="0" y="0"/>
-          <a:ext cx="0" cy="0"/>
-          <a:chOff x="0" y="0"/>
-          <a:chExt cx="0" cy="0"/>
-        </a:xfrm>
-      </p:grpSpPr>
-      <p:sp>
-        <p:nvSpPr>
-          <p:cNvPr id="2" name="タイトル 1"/>
-          <p:cNvSpPr>
-            <a:spLocks noGrp="1"/>
-          </p:cNvSpPr>
-          <p:nvPr>
-            <p:ph type="title"/>
-          </p:nvPr>
-        </p:nvSpPr>
-        <p:spPr/>
-        <p:txBody>
-          <a:bodyPr/>
-          <a:lstStyle/>
-          <a:p>
-            <a:r>
-              <a:rPr lang="ja-JP" altLang="en-US" dirty="0" smtClean="0"/>
-              <a:t>進捗</a:t>
-            </a:r>
-            <a:endParaRPr kumimoji="1" lang="ja-JP" altLang="en-US" dirty="0"/>
-          </a:p>
-        </p:txBody>
-      </p:sp>
-      <p:sp>
-        <p:nvSpPr>
-          <p:cNvPr id="3" name="コンテンツ プレースホルダー 2"/>
-          <p:cNvSpPr>
-            <a:spLocks noGrp="1"/>
-          </p:cNvSpPr>
-          <p:nvPr>
-            <p:ph idx="1"/>
-          </p:nvPr>
-        </p:nvSpPr>
-        <p:spPr/>
-        <p:txBody>
-          <a:bodyPr/>
-          <a:lstStyle/>
-          <a:p>
-            <a:r>
-              <a:rPr lang="ja-JP" altLang="en-US" dirty="0" smtClean="0"/>
-              <a:t>署名を</a:t>
-            </a:r>
-            <a:r>
-              <a:rPr lang="en-US" altLang="ja-JP" dirty="0" smtClean="0"/>
-              <a:t>Ruby</a:t>
-            </a:r>
-            <a:r>
-              <a:rPr lang="ja-JP" altLang="en-US" dirty="0" smtClean="0"/>
-              <a:t>で制作</a:t>
-            </a:r>
-            <a:endParaRPr kumimoji="1" lang="ja-JP" altLang="en-US" dirty="0"/>
-          </a:p>
-        </p:txBody>
-      </p:sp>
-      <p:sp>
-        <p:nvSpPr>
-          <p:cNvPr id="4" name="スライド番号プレースホルダー 3"/>
-          <p:cNvSpPr>
-            <a:spLocks noGrp="1"/>
-          </p:cNvSpPr>
-          <p:nvPr>
-            <p:ph type="sldNum" sz="quarter" idx="12"/>
-          </p:nvPr>
-        </p:nvSpPr>
-        <p:spPr/>
-        <p:txBody>
-          <a:bodyPr/>
-          <a:lstStyle/>
-          <a:p>
-            <a:pPr algn="ctr"/>
-            <a:fld id="{CA23F248-F353-4F36-A746-B1953A38AE2D}" type="slidenum">
-              <a:rPr lang="ja-JP" altLang="en-US" smtClean="0"/>
-              <a:pPr algn="ctr"/>
-              <a:t>2</a:t>
-            </a:fld>
-            <a:endParaRPr lang="ja-JP" altLang="en-US" dirty="0"/>
-          </a:p>
-        </p:txBody>
-      </p:sp>
-    </p:spTree>
-    <p:extLst>
-      <p:ext uri="{BB962C8B-B14F-4D97-AF65-F5344CB8AC3E}">
-        <p14:creationId xmlns:p14="http://schemas.microsoft.com/office/powerpoint/2010/main" val="244405037"/>
-      </p:ext>
-    </p:extLst>
-  </p:cSld>
-  <p:clrMapOvr>
-    <a:masterClrMapping/>
-  </p:clrMapOvr>
-</p:sld>
-</file>
-
-<file path=ppt/slides/slide3.xml><?xml version="1.0" encoding="utf-8"?>
-<p:sld xmlns:a="http://schemas.openxmlformats.org/drawingml/2006/main" xmlns:r="http://schemas.openxmlformats.org/officeDocument/2006/relationships" xmlns:p="http://schemas.openxmlformats.org/presentationml/2006/main">
-  <p:cSld>
-    <p:spTree>
-      <p:nvGrpSpPr>
-        <p:cNvPr id="1" name=""/>
-        <p:cNvGrpSpPr/>
-        <p:nvPr/>
-      </p:nvGrpSpPr>
-      <p:grpSpPr>
-        <a:xfrm>
-          <a:off x="0" y="0"/>
-          <a:ext cx="0" cy="0"/>
-          <a:chOff x="0" y="0"/>
-          <a:chExt cx="0" cy="0"/>
-        </a:xfrm>
-      </p:grpSpPr>
-      <p:sp>
-        <p:nvSpPr>
-          <p:cNvPr id="2" name="タイトル 1"/>
-          <p:cNvSpPr>
-            <a:spLocks noGrp="1"/>
-          </p:cNvSpPr>
-          <p:nvPr>
-            <p:ph type="title"/>
-          </p:nvPr>
-        </p:nvSpPr>
-        <p:spPr/>
-        <p:txBody>
-          <a:bodyPr/>
-          <a:lstStyle/>
-          <a:p>
-            <a:endParaRPr kumimoji="1" lang="ja-JP" altLang="en-US" dirty="0"/>
-          </a:p>
-        </p:txBody>
-      </p:sp>
-      <p:sp>
-        <p:nvSpPr>
-          <p:cNvPr id="3" name="コンテンツ プレースホルダー 2"/>
-          <p:cNvSpPr>
-            <a:spLocks noGrp="1"/>
-          </p:cNvSpPr>
-          <p:nvPr>
-            <p:ph idx="1"/>
-          </p:nvPr>
-        </p:nvSpPr>
-        <p:spPr/>
-        <p:txBody>
-          <a:bodyPr/>
-          <a:lstStyle/>
-          <a:p>
-            <a:r>
-              <a:rPr kumimoji="1" lang="en-US" altLang="ja-JP" dirty="0" err="1" smtClean="0"/>
-              <a:t>Params</a:t>
-            </a:r>
-            <a:r>
-              <a:rPr kumimoji="1" lang="ja-JP" altLang="en-US" dirty="0" smtClean="0"/>
-              <a:t>で受け取ると文字列で返される。</a:t>
-            </a:r>
-            <a:r>
-              <a:rPr kumimoji="1" lang="en-US" altLang="ja-JP" dirty="0" smtClean="0"/>
-              <a:t/>
-            </a:r>
-            <a:br>
-              <a:rPr kumimoji="1" lang="en-US" altLang="ja-JP" dirty="0" smtClean="0"/>
-            </a:br>
-            <a:r>
-              <a:rPr kumimoji="1" lang="ja-JP" altLang="en-US" dirty="0" smtClean="0"/>
-              <a:t>ー</a:t>
-            </a:r>
-            <a:r>
-              <a:rPr lang="ja-JP" altLang="en-US" sz="2800" dirty="0" smtClean="0"/>
-              <a:t>文字列の中から指定した文字列を削除するコマンドで、いらないものを排除</a:t>
-            </a:r>
-            <a:r>
-              <a:rPr lang="en-US" altLang="ja-JP" sz="2800" dirty="0" smtClean="0"/>
-              <a:t/>
-            </a:r>
-            <a:br>
-              <a:rPr lang="en-US" altLang="ja-JP" sz="2800" dirty="0" smtClean="0"/>
-            </a:br>
-            <a:r>
-              <a:rPr lang="en-US" altLang="ja-JP" sz="2800" dirty="0" smtClean="0"/>
-              <a:t/>
-            </a:r>
-            <a:br>
-              <a:rPr lang="en-US" altLang="ja-JP" sz="2800" dirty="0" smtClean="0"/>
-            </a:br>
-            <a:r>
-              <a:rPr lang="en-US" altLang="ja-JP" sz="2800" dirty="0" smtClean="0"/>
-              <a:t>delete</a:t>
-            </a:r>
-            <a:r>
-              <a:rPr lang="ja-JP" altLang="en-US" sz="2800" dirty="0" smtClean="0"/>
-              <a:t>を使用し、</a:t>
-            </a:r>
-            <a:r>
-              <a:rPr lang="en-US" altLang="ja-JP" sz="2800" dirty="0" smtClean="0"/>
-              <a:t>(:action),(:</a:t>
-            </a:r>
-            <a:r>
-              <a:rPr lang="en-US" altLang="ja-JP" sz="2800" dirty="0" err="1" smtClean="0"/>
-              <a:t>contoller</a:t>
-            </a:r>
-            <a:r>
-              <a:rPr lang="en-US" altLang="ja-JP" sz="2800" dirty="0" smtClean="0"/>
-              <a:t>),(:</a:t>
-            </a:r>
-            <a:r>
-              <a:rPr lang="en-US" altLang="ja-JP" sz="2800" dirty="0" err="1" smtClean="0"/>
-              <a:t>oauth_signature</a:t>
-            </a:r>
-            <a:r>
-              <a:rPr lang="en-US" altLang="ja-JP" sz="2800" dirty="0" smtClean="0"/>
-              <a:t>)</a:t>
-            </a:r>
-            <a:r>
-              <a:rPr lang="ja-JP" altLang="en-US" sz="2800" dirty="0" smtClean="0"/>
-              <a:t>を削除</a:t>
-            </a:r>
-            <a:endParaRPr lang="en-US" altLang="ja-JP" sz="2800" dirty="0" smtClean="0"/>
-          </a:p>
-          <a:p>
-            <a:endParaRPr kumimoji="1" lang="en-US" altLang="ja-JP" sz="2800" dirty="0" smtClean="0"/>
-          </a:p>
-        </p:txBody>
-      </p:sp>
-      <p:sp>
-        <p:nvSpPr>
-          <p:cNvPr id="4" name="スライド番号プレースホルダー 3"/>
-          <p:cNvSpPr>
-            <a:spLocks noGrp="1"/>
-          </p:cNvSpPr>
-          <p:nvPr>
-            <p:ph type="sldNum" sz="quarter" idx="12"/>
-          </p:nvPr>
-        </p:nvSpPr>
-        <p:spPr/>
-        <p:txBody>
-          <a:bodyPr/>
-          <a:lstStyle/>
-          <a:p>
-            <a:pPr algn="ctr"/>
-            <a:fld id="{CA23F248-F353-4F36-A746-B1953A38AE2D}" type="slidenum">
-              <a:rPr lang="ja-JP" altLang="en-US" smtClean="0"/>
-              <a:pPr algn="ctr"/>
-              <a:t>3</a:t>
-            </a:fld>
-            <a:endParaRPr lang="ja-JP" altLang="en-US" dirty="0"/>
-          </a:p>
-        </p:txBody>
-      </p:sp>
-    </p:spTree>
-    <p:extLst>
-      <p:ext uri="{BB962C8B-B14F-4D97-AF65-F5344CB8AC3E}">
-        <p14:creationId xmlns:p14="http://schemas.microsoft.com/office/powerpoint/2010/main" val="374782535"/>
-      </p:ext>
-    </p:extLst>
-  </p:cSld>
-  <p:clrMapOvr>
-    <a:masterClrMapping/>
-  </p:clrMapOvr>
-</p:sld>
-</file>
-
-<file path=ppt/slides/slide4.xml><?xml version="1.0" encoding="utf-8"?>
-<p:sld xmlns:a="http://schemas.openxmlformats.org/drawingml/2006/main" xmlns:r="http://schemas.openxmlformats.org/officeDocument/2006/relationships" xmlns:p="http://schemas.openxmlformats.org/presentationml/2006/main">
-  <p:cSld>
-    <p:spTree>
-      <p:nvGrpSpPr>
-        <p:cNvPr id="1" name=""/>
-        <p:cNvGrpSpPr/>
-        <p:nvPr/>
-      </p:nvGrpSpPr>
-      <p:grpSpPr>
-        <a:xfrm>
-          <a:off x="0" y="0"/>
-          <a:ext cx="0" cy="0"/>
-          <a:chOff x="0" y="0"/>
-          <a:chExt cx="0" cy="0"/>
-        </a:xfrm>
-      </p:grpSpPr>
-      <p:sp>
-        <p:nvSpPr>
-          <p:cNvPr id="2" name="タイトル 1"/>
-          <p:cNvSpPr>
-            <a:spLocks noGrp="1"/>
-          </p:cNvSpPr>
-          <p:nvPr>
-            <p:ph type="title"/>
-          </p:nvPr>
-        </p:nvSpPr>
-        <p:spPr/>
-        <p:txBody>
-          <a:bodyPr/>
-          <a:lstStyle/>
-          <a:p>
-            <a:endParaRPr kumimoji="1" lang="ja-JP" altLang="en-US"/>
-          </a:p>
-        </p:txBody>
-      </p:sp>
-      <p:sp>
-        <p:nvSpPr>
-          <p:cNvPr id="3" name="コンテンツ プレースホルダー 2"/>
-          <p:cNvSpPr>
-            <a:spLocks noGrp="1"/>
-          </p:cNvSpPr>
-          <p:nvPr>
-            <p:ph idx="1"/>
-          </p:nvPr>
-        </p:nvSpPr>
-        <p:spPr/>
-        <p:txBody>
-          <a:bodyPr/>
-          <a:lstStyle/>
-          <a:p>
-            <a:r>
-              <a:rPr kumimoji="1" lang="ja-JP" altLang="en-US" dirty="0" smtClean="0"/>
-              <a:t>不必要な物を削除したデータをハッシュ化</a:t>
-            </a:r>
-            <a:endParaRPr kumimoji="1" lang="en-US" altLang="ja-JP" dirty="0" smtClean="0"/>
-          </a:p>
-          <a:p>
-            <a:r>
-              <a:rPr lang="ja-JP" altLang="en-US" dirty="0" smtClean="0"/>
-              <a:t>ハッシュ化したデータを</a:t>
-            </a:r>
-            <a:r>
-              <a:rPr lang="en-US" altLang="ja-JP" dirty="0" smtClean="0"/>
-              <a:t>sort</a:t>
-            </a:r>
-            <a:r>
-              <a:rPr lang="ja-JP" altLang="en-US" dirty="0" smtClean="0"/>
-              <a:t>コマンドでアルファベット順にソート</a:t>
-            </a:r>
-            <a:endParaRPr kumimoji="1" lang="ja-JP" altLang="en-US" dirty="0"/>
-          </a:p>
-        </p:txBody>
-      </p:sp>
-      <p:sp>
-        <p:nvSpPr>
-          <p:cNvPr id="4" name="スライド番号プレースホルダー 3"/>
-          <p:cNvSpPr>
-            <a:spLocks noGrp="1"/>
-          </p:cNvSpPr>
-          <p:nvPr>
-            <p:ph type="sldNum" sz="quarter" idx="12"/>
-          </p:nvPr>
-        </p:nvSpPr>
-        <p:spPr/>
-        <p:txBody>
-          <a:bodyPr/>
-          <a:lstStyle/>
-          <a:p>
-            <a:pPr algn="ctr"/>
-            <a:fld id="{CA23F248-F353-4F36-A746-B1953A38AE2D}" type="slidenum">
-              <a:rPr lang="ja-JP" altLang="en-US" smtClean="0"/>
-              <a:pPr algn="ctr"/>
-              <a:t>4</a:t>
-            </a:fld>
-            <a:endParaRPr lang="ja-JP" altLang="en-US" dirty="0"/>
-          </a:p>
-        </p:txBody>
-      </p:sp>
-    </p:spTree>
-    <p:extLst>
-      <p:ext uri="{BB962C8B-B14F-4D97-AF65-F5344CB8AC3E}">
-        <p14:creationId xmlns:p14="http://schemas.microsoft.com/office/powerpoint/2010/main" val="99217753"/>
-      </p:ext>
-    </p:extLst>
-  </p:cSld>
-  <p:clrMapOvr>
-    <a:masterClrMapping/>
-  </p:clrMapOvr>
-</p:sld>
-</file>
-
-<file path=ppt/slides/slide5.xml><?xml version="1.0" encoding="utf-8"?>
-<p:sld xmlns:a="http://schemas.openxmlformats.org/drawingml/2006/main" xmlns:r="http://schemas.openxmlformats.org/officeDocument/2006/relationships" xmlns:p="http://schemas.openxmlformats.org/presentationml/2006/main">
-  <p:cSld>
-    <p:spTree>
-      <p:nvGrpSpPr>
-        <p:cNvPr id="1" name=""/>
-        <p:cNvGrpSpPr/>
-        <p:nvPr/>
-      </p:nvGrpSpPr>
-      <p:grpSpPr>
-        <a:xfrm>
-          <a:off x="0" y="0"/>
-          <a:ext cx="0" cy="0"/>
-          <a:chOff x="0" y="0"/>
-          <a:chExt cx="0" cy="0"/>
-        </a:xfrm>
-      </p:grpSpPr>
-      <p:sp>
-        <p:nvSpPr>
-          <p:cNvPr id="2" name="タイトル 1"/>
-          <p:cNvSpPr>
-            <a:spLocks noGrp="1"/>
-          </p:cNvSpPr>
-          <p:nvPr>
-            <p:ph type="title"/>
-          </p:nvPr>
-        </p:nvSpPr>
-        <p:spPr/>
-        <p:txBody>
-          <a:bodyPr/>
-          <a:lstStyle/>
-          <a:p>
-            <a:endParaRPr kumimoji="1" lang="ja-JP" altLang="en-US"/>
-          </a:p>
-        </p:txBody>
-      </p:sp>
-      <p:sp>
-        <p:nvSpPr>
-          <p:cNvPr id="3" name="コンテンツ プレースホルダー 2"/>
-          <p:cNvSpPr>
-            <a:spLocks noGrp="1"/>
-          </p:cNvSpPr>
-          <p:nvPr>
-            <p:ph idx="1"/>
-          </p:nvPr>
-        </p:nvSpPr>
-        <p:spPr/>
-        <p:txBody>
-          <a:bodyPr/>
-          <a:lstStyle/>
-          <a:p>
-            <a:r>
-              <a:rPr kumimoji="1" lang="ja-JP" altLang="en-US" dirty="0" smtClean="0"/>
-              <a:t>ソートした値を</a:t>
-            </a:r>
-            <a:r>
-              <a:rPr kumimoji="1" lang="en-US" altLang="ja-JP" dirty="0" smtClean="0"/>
-              <a:t>key=value&amp;</a:t>
-            </a:r>
-            <a:r>
-              <a:rPr kumimoji="1" lang="mr-IN" altLang="ja-JP" dirty="0" smtClean="0"/>
-              <a:t>…</a:t>
-            </a:r>
-            <a:r>
-              <a:rPr kumimoji="1" lang="ja-JP" altLang="en-US" dirty="0" smtClean="0"/>
-              <a:t>という形へ</a:t>
-            </a:r>
-            <a:r>
-              <a:rPr lang="en-US" altLang="ja-JP" dirty="0"/>
-              <a:t/>
-            </a:r>
-            <a:br>
-              <a:rPr lang="en-US" altLang="ja-JP" dirty="0"/>
-            </a:br>
-            <a:r>
-              <a:rPr lang="ja-JP" altLang="en-US" dirty="0" smtClean="0"/>
-              <a:t>ー</a:t>
-            </a:r>
-            <a:r>
-              <a:rPr kumimoji="1" lang="ja-JP" altLang="en-US" sz="2800" dirty="0" smtClean="0"/>
-              <a:t>ソートすると二次元配列で返されるので、変数</a:t>
-            </a:r>
-            <a:r>
-              <a:rPr kumimoji="1" lang="en-US" altLang="ja-JP" sz="2800" dirty="0" smtClean="0"/>
-              <a:t>[0][0] + “=” + </a:t>
-            </a:r>
-            <a:r>
-              <a:rPr kumimoji="1" lang="ja-JP" altLang="en-US" sz="2800" dirty="0" smtClean="0"/>
-              <a:t>変数</a:t>
-            </a:r>
-            <a:r>
-              <a:rPr kumimoji="1" lang="en-US" altLang="ja-JP" sz="2800" dirty="0" smtClean="0"/>
-              <a:t>[0][1] </a:t>
-            </a:r>
-            <a:r>
-              <a:rPr kumimoji="1" lang="ja-JP" altLang="en-US" sz="2800" dirty="0" smtClean="0"/>
-              <a:t>でつなげていった。</a:t>
-            </a:r>
-            <a:endParaRPr kumimoji="1" lang="en-US" altLang="ja-JP" sz="2800" dirty="0" smtClean="0"/>
-          </a:p>
-          <a:p>
-            <a:endParaRPr lang="en-US" altLang="ja-JP" sz="2800" dirty="0"/>
-          </a:p>
-          <a:p>
-            <a:r>
-              <a:rPr kumimoji="1" lang="ja-JP" altLang="en-US" sz="2800" dirty="0" smtClean="0"/>
-              <a:t>しかし、最後に＆がついってしまったので、最初は</a:t>
-            </a:r>
-            <a:r>
-              <a:rPr kumimoji="1" lang="en-US" altLang="ja-JP" sz="2800" dirty="0" smtClean="0"/>
-              <a:t>key=value</a:t>
-            </a:r>
-            <a:r>
-              <a:rPr kumimoji="1" lang="ja-JP" altLang="en-US" sz="2800" dirty="0" smtClean="0"/>
-              <a:t>という形でつなげ、２個目以降を</a:t>
-            </a:r>
-            <a:r>
-              <a:rPr lang="en-US" altLang="ja-JP" sz="2800" dirty="0" smtClean="0"/>
-              <a:t>&amp;key=value</a:t>
-            </a:r>
-            <a:r>
-              <a:rPr lang="ja-JP" altLang="en-US" sz="2800" dirty="0" smtClean="0"/>
-              <a:t>で繋ぐことで対処</a:t>
-            </a:r>
-            <a:endParaRPr kumimoji="1" lang="ja-JP" altLang="en-US" sz="2800" dirty="0"/>
-          </a:p>
-        </p:txBody>
-      </p:sp>
-      <p:sp>
-        <p:nvSpPr>
-          <p:cNvPr id="4" name="スライド番号プレースホルダー 3"/>
-          <p:cNvSpPr>
-            <a:spLocks noGrp="1"/>
-          </p:cNvSpPr>
-          <p:nvPr>
-            <p:ph type="sldNum" sz="quarter" idx="12"/>
-          </p:nvPr>
-        </p:nvSpPr>
-        <p:spPr/>
-        <p:txBody>
-          <a:bodyPr/>
-          <a:lstStyle/>
-          <a:p>
-            <a:pPr algn="ctr"/>
-            <a:fld id="{CA23F248-F353-4F36-A746-B1953A38AE2D}" type="slidenum">
-              <a:rPr lang="ja-JP" altLang="en-US" smtClean="0"/>
-              <a:pPr algn="ctr"/>
-              <a:t>5</a:t>
-            </a:fld>
-            <a:endParaRPr lang="ja-JP" altLang="en-US" dirty="0"/>
-          </a:p>
-        </p:txBody>
-      </p:sp>
-    </p:spTree>
-    <p:extLst>
-      <p:ext uri="{BB962C8B-B14F-4D97-AF65-F5344CB8AC3E}">
-        <p14:creationId xmlns:p14="http://schemas.microsoft.com/office/powerpoint/2010/main" val="1523085962"/>
-      </p:ext>
-    </p:extLst>
-  </p:cSld>
-  <p:clrMapOvr>
-    <a:masterClrMapping/>
-  </p:clrMapOvr>
-</p:sld>
-</file>
-
-<file path=ppt/slides/slide6.xml><?xml version="1.0" encoding="utf-8"?>
-<p:sld xmlns:a="http://schemas.openxmlformats.org/drawingml/2006/main" xmlns:r="http://schemas.openxmlformats.org/officeDocument/2006/relationships" xmlns:p="http://schemas.openxmlformats.org/presentationml/2006/main">
-  <p:cSld>
-    <p:spTree>
-      <p:nvGrpSpPr>
-        <p:cNvPr id="1" name=""/>
-        <p:cNvGrpSpPr/>
-        <p:nvPr/>
-      </p:nvGrpSpPr>
-      <p:grpSpPr>
-        <a:xfrm>
-          <a:off x="0" y="0"/>
-          <a:ext cx="0" cy="0"/>
-          <a:chOff x="0" y="0"/>
-          <a:chExt cx="0" cy="0"/>
-        </a:xfrm>
-      </p:grpSpPr>
-      <p:sp>
-        <p:nvSpPr>
-          <p:cNvPr id="2" name="タイトル 1"/>
-          <p:cNvSpPr>
-            <a:spLocks noGrp="1"/>
-          </p:cNvSpPr>
-          <p:nvPr>
-            <p:ph type="title"/>
-          </p:nvPr>
-        </p:nvSpPr>
-        <p:spPr/>
-        <p:txBody>
-          <a:bodyPr/>
-          <a:lstStyle/>
-          <a:p>
-            <a:endParaRPr kumimoji="1" lang="ja-JP" altLang="en-US"/>
-          </a:p>
-        </p:txBody>
-      </p:sp>
-      <p:sp>
-        <p:nvSpPr>
-          <p:cNvPr id="3" name="コンテンツ プレースホルダー 2"/>
-          <p:cNvSpPr>
-            <a:spLocks noGrp="1"/>
-          </p:cNvSpPr>
-          <p:nvPr>
-            <p:ph idx="1"/>
-          </p:nvPr>
-        </p:nvSpPr>
-        <p:spPr/>
-        <p:txBody>
-          <a:bodyPr/>
-          <a:lstStyle/>
-          <a:p>
-            <a:r>
-              <a:rPr lang="ja-JP" altLang="en-US" dirty="0" smtClean="0"/>
-              <a:t>署名において</a:t>
-            </a:r>
-            <a:r>
-              <a:rPr lang="en-US" altLang="ja-JP" dirty="0" err="1" smtClean="0"/>
-              <a:t>url</a:t>
-            </a:r>
-            <a:r>
-              <a:rPr lang="ja-JP" altLang="en-US" dirty="0" smtClean="0"/>
-              <a:t>エンコードが必要</a:t>
-            </a:r>
-            <a:r>
-              <a:rPr lang="en-US" altLang="ja-JP" dirty="0" smtClean="0"/>
-              <a:t/>
-            </a:r>
-            <a:br>
-              <a:rPr lang="en-US" altLang="ja-JP" dirty="0" smtClean="0"/>
-            </a:br>
-            <a:r>
-              <a:rPr lang="en-US" altLang="ja-JP" dirty="0" smtClean="0"/>
-              <a:t>-Ruby</a:t>
-            </a:r>
-            <a:r>
-              <a:rPr lang="ja-JP" altLang="en-US" dirty="0" smtClean="0"/>
-              <a:t>では</a:t>
-            </a:r>
-            <a:r>
-              <a:rPr lang="en-US" altLang="ja-JP" dirty="0" err="1" smtClean="0"/>
-              <a:t>CGI.escape,URI</a:t>
-            </a:r>
-            <a:r>
-              <a:rPr lang="en-US" altLang="ja-JP" dirty="0" smtClean="0"/>
-              <a:t> encode</a:t>
-            </a:r>
-            <a:r>
-              <a:rPr lang="ja-JP" altLang="en-US" dirty="0" smtClean="0"/>
-              <a:t>の二種類が存在。</a:t>
-            </a:r>
-            <a:r>
-              <a:rPr lang="en-US" altLang="ja-JP" dirty="0" smtClean="0"/>
-              <a:t/>
-            </a:r>
-            <a:br>
-              <a:rPr lang="en-US" altLang="ja-JP" dirty="0" smtClean="0"/>
-            </a:br>
-            <a:endParaRPr lang="en-US" altLang="ja-JP" dirty="0" smtClean="0"/>
-          </a:p>
-          <a:p>
-            <a:r>
-              <a:rPr kumimoji="1" lang="en-US" altLang="ja-JP" dirty="0" smtClean="0"/>
-              <a:t>RFC</a:t>
-            </a:r>
-            <a:r>
-              <a:rPr lang="en-US" altLang="ja-JP" dirty="0" smtClean="0"/>
-              <a:t>-3896</a:t>
-            </a:r>
-            <a:r>
-              <a:rPr lang="ja-JP" altLang="en-US" dirty="0" smtClean="0"/>
-              <a:t>仕様でエンコードしなければならなかったため、</a:t>
-            </a:r>
-            <a:r>
-              <a:rPr lang="en-US" altLang="ja-JP" dirty="0" err="1" smtClean="0"/>
-              <a:t>CGI.escape</a:t>
-            </a:r>
-            <a:r>
-              <a:rPr lang="ja-JP" altLang="en-US" dirty="0" smtClean="0"/>
-              <a:t>を使用</a:t>
-            </a:r>
-            <a:endParaRPr kumimoji="1" lang="en-US" altLang="ja-JP" dirty="0" smtClean="0"/>
-          </a:p>
-        </p:txBody>
-      </p:sp>
-      <p:sp>
-        <p:nvSpPr>
-          <p:cNvPr id="4" name="スライド番号プレースホルダー 3"/>
-          <p:cNvSpPr>
-            <a:spLocks noGrp="1"/>
-          </p:cNvSpPr>
-          <p:nvPr>
-            <p:ph type="sldNum" sz="quarter" idx="12"/>
-          </p:nvPr>
-        </p:nvSpPr>
-        <p:spPr/>
-        <p:txBody>
-          <a:bodyPr/>
-          <a:lstStyle/>
-          <a:p>
-            <a:pPr algn="ctr"/>
-            <a:fld id="{CA23F248-F353-4F36-A746-B1953A38AE2D}" type="slidenum">
-              <a:rPr lang="ja-JP" altLang="en-US" smtClean="0"/>
-              <a:pPr algn="ctr"/>
-              <a:t>6</a:t>
-            </a:fld>
-            <a:endParaRPr lang="ja-JP" altLang="en-US" dirty="0"/>
-          </a:p>
-        </p:txBody>
-      </p:sp>
-    </p:spTree>
-    <p:extLst>
-      <p:ext uri="{BB962C8B-B14F-4D97-AF65-F5344CB8AC3E}">
-        <p14:creationId xmlns:p14="http://schemas.microsoft.com/office/powerpoint/2010/main" val="1676041416"/>
-      </p:ext>
-    </p:extLst>
-  </p:cSld>
-  <p:clrMapOvr>
-    <a:masterClrMapping/>
-  </p:clrMapOvr>
-</p:sld>
-</file>
-
-<file path=ppt/slides/slide7.xml><?xml version="1.0" encoding="utf-8"?>
-<p:sld xmlns:a="http://schemas.openxmlformats.org/drawingml/2006/main" xmlns:r="http://schemas.openxmlformats.org/officeDocument/2006/relationships" xmlns:p="http://schemas.openxmlformats.org/presentationml/2006/main">
-  <p:cSld>
-    <p:spTree>
-      <p:nvGrpSpPr>
-        <p:cNvPr id="1" name=""/>
-        <p:cNvGrpSpPr/>
-        <p:nvPr/>
-      </p:nvGrpSpPr>
-      <p:grpSpPr>
-        <a:xfrm>
-          <a:off x="0" y="0"/>
-          <a:ext cx="0" cy="0"/>
-          <a:chOff x="0" y="0"/>
-          <a:chExt cx="0" cy="0"/>
-        </a:xfrm>
-      </p:grpSpPr>
-      <p:sp>
-        <p:nvSpPr>
-          <p:cNvPr id="2" name="タイトル 1"/>
-          <p:cNvSpPr>
-            <a:spLocks noGrp="1"/>
-          </p:cNvSpPr>
-          <p:nvPr>
-            <p:ph type="title"/>
-          </p:nvPr>
-        </p:nvSpPr>
-        <p:spPr/>
-        <p:txBody>
-          <a:bodyPr/>
-          <a:lstStyle/>
-          <a:p>
-            <a:endParaRPr kumimoji="1" lang="ja-JP" altLang="en-US"/>
-          </a:p>
-        </p:txBody>
-      </p:sp>
-      <p:sp>
-        <p:nvSpPr>
-          <p:cNvPr id="3" name="コンテンツ プレースホルダー 2"/>
-          <p:cNvSpPr>
-            <a:spLocks noGrp="1"/>
-          </p:cNvSpPr>
-          <p:nvPr>
-            <p:ph idx="1"/>
-          </p:nvPr>
-        </p:nvSpPr>
-        <p:spPr/>
-        <p:txBody>
-          <a:bodyPr/>
-          <a:lstStyle/>
-          <a:p>
-            <a:r>
-              <a:rPr kumimoji="1" lang="en-US" altLang="ja-JP" dirty="0" err="1" smtClean="0"/>
-              <a:t>CGI.escape</a:t>
-            </a:r>
-            <a:r>
-              <a:rPr kumimoji="1" lang="ja-JP" altLang="en-US" dirty="0" smtClean="0"/>
-              <a:t>では</a:t>
-            </a:r>
-            <a:r>
-              <a:rPr lang="en-US" altLang="ja-JP" dirty="0" smtClean="0"/>
-              <a:t>”+”</a:t>
-            </a:r>
-            <a:r>
-              <a:rPr lang="ja-JP" altLang="en-US" dirty="0" smtClean="0"/>
-              <a:t>をエンコードしなかった。</a:t>
-            </a:r>
-            <a:r>
-              <a:rPr lang="en-US" altLang="ja-JP" dirty="0" smtClean="0"/>
-              <a:t/>
-            </a:r>
-            <a:br>
-              <a:rPr lang="en-US" altLang="ja-JP" dirty="0" smtClean="0"/>
-            </a:br>
-            <a:r>
-              <a:rPr lang="en-US" altLang="ja-JP" dirty="0" smtClean="0"/>
-              <a:t>-</a:t>
-            </a:r>
-            <a:r>
-              <a:rPr lang="ja-JP" altLang="en-US" dirty="0" smtClean="0"/>
-              <a:t>予め</a:t>
-            </a:r>
-            <a:r>
-              <a:rPr lang="en-US" altLang="ja-JP" dirty="0" err="1" smtClean="0"/>
-              <a:t>url</a:t>
-            </a:r>
-            <a:r>
-              <a:rPr lang="ja-JP" altLang="en-US" dirty="0" smtClean="0"/>
-              <a:t>エンコードする前に</a:t>
-            </a:r>
-            <a:r>
-              <a:rPr lang="en-US" altLang="ja-JP" dirty="0" smtClean="0"/>
-              <a:t>”+”</a:t>
-            </a:r>
-            <a:r>
-              <a:rPr lang="ja-JP" altLang="en-US" dirty="0" smtClean="0"/>
-              <a:t>を</a:t>
-            </a:r>
-            <a:r>
-              <a:rPr lang="en-US" altLang="ja-JP" dirty="0" smtClean="0"/>
-              <a:t>”%20”</a:t>
-            </a:r>
-            <a:r>
-              <a:rPr lang="ja-JP" altLang="en-US" dirty="0" smtClean="0"/>
-              <a:t>に手動で置き換えるプログラムを書き、その上で</a:t>
-            </a:r>
-            <a:r>
-              <a:rPr lang="en-US" altLang="ja-JP" dirty="0" err="1" smtClean="0"/>
-              <a:t>CGI.escape</a:t>
-            </a:r>
-            <a:r>
-              <a:rPr lang="ja-JP" altLang="en-US" dirty="0" smtClean="0"/>
-              <a:t>することで対処した。</a:t>
-            </a:r>
-            <a:endParaRPr kumimoji="1" lang="ja-JP" altLang="en-US" dirty="0"/>
-          </a:p>
-        </p:txBody>
-      </p:sp>
-      <p:sp>
-        <p:nvSpPr>
-          <p:cNvPr id="4" name="スライド番号プレースホルダー 3"/>
-          <p:cNvSpPr>
-            <a:spLocks noGrp="1"/>
-          </p:cNvSpPr>
-          <p:nvPr>
-            <p:ph type="sldNum" sz="quarter" idx="12"/>
-          </p:nvPr>
-        </p:nvSpPr>
-        <p:spPr/>
-        <p:txBody>
-          <a:bodyPr/>
-          <a:lstStyle/>
-          <a:p>
-            <a:pPr algn="ctr"/>
-            <a:fld id="{CA23F248-F353-4F36-A746-B1953A38AE2D}" type="slidenum">
-              <a:rPr lang="ja-JP" altLang="en-US" smtClean="0"/>
-              <a:pPr algn="ctr"/>
-              <a:t>7</a:t>
-            </a:fld>
-            <a:endParaRPr lang="ja-JP" altLang="en-US" dirty="0"/>
-          </a:p>
-        </p:txBody>
-      </p:sp>
-    </p:spTree>
-    <p:extLst>
-      <p:ext uri="{BB962C8B-B14F-4D97-AF65-F5344CB8AC3E}">
-        <p14:creationId xmlns:p14="http://schemas.microsoft.com/office/powerpoint/2010/main" val="813825608"/>
-      </p:ext>
-    </p:extLst>
-  </p:cSld>
-  <p:clrMapOvr>
-    <a:masterClrMapping/>
-  </p:clrMapOvr>
-</p:sld>
-</file>
-
-<file path=ppt/slides/slide8.xml><?xml version="1.0" encoding="utf-8"?>
-<p:sld xmlns:a="http://schemas.openxmlformats.org/drawingml/2006/main" xmlns:r="http://schemas.openxmlformats.org/officeDocument/2006/relationships" xmlns:p="http://schemas.openxmlformats.org/presentationml/2006/main">
-  <p:cSld>
-    <p:spTree>
-      <p:nvGrpSpPr>
-        <p:cNvPr id="1" name=""/>
-        <p:cNvGrpSpPr/>
-        <p:nvPr/>
-      </p:nvGrpSpPr>
-      <p:grpSpPr>
-        <a:xfrm>
-          <a:off x="0" y="0"/>
-          <a:ext cx="0" cy="0"/>
-          <a:chOff x="0" y="0"/>
-          <a:chExt cx="0" cy="0"/>
-        </a:xfrm>
-      </p:grpSpPr>
-      <p:sp>
-        <p:nvSpPr>
-          <p:cNvPr id="2" name="タイトル 1"/>
-          <p:cNvSpPr>
-            <a:spLocks noGrp="1"/>
-          </p:cNvSpPr>
-          <p:nvPr>
-            <p:ph type="title"/>
-          </p:nvPr>
-        </p:nvSpPr>
-        <p:spPr/>
-        <p:txBody>
-          <a:bodyPr/>
-          <a:lstStyle/>
-          <a:p>
-            <a:r>
-              <a:rPr kumimoji="1" lang="ja-JP" altLang="en-US" dirty="0" smtClean="0"/>
-              <a:t>やること</a:t>
-            </a:r>
-            <a:endParaRPr kumimoji="1" lang="ja-JP" altLang="en-US" dirty="0"/>
-          </a:p>
-        </p:txBody>
-      </p:sp>
-      <p:sp>
-        <p:nvSpPr>
-          <p:cNvPr id="3" name="コンテンツ プレースホルダー 2"/>
-          <p:cNvSpPr>
-            <a:spLocks noGrp="1"/>
-          </p:cNvSpPr>
-          <p:nvPr>
-            <p:ph idx="1"/>
-          </p:nvPr>
-        </p:nvSpPr>
-        <p:spPr/>
-        <p:txBody>
-          <a:bodyPr/>
-          <a:lstStyle/>
-          <a:p>
-            <a:r>
-              <a:rPr kumimoji="1" lang="en-US" altLang="ja-JP" dirty="0" smtClean="0"/>
-              <a:t>HMAC-SHA1</a:t>
-            </a:r>
-            <a:r>
-              <a:rPr kumimoji="1" lang="ja-JP" altLang="en-US" dirty="0" smtClean="0"/>
-              <a:t>でハッシュ化し、</a:t>
-            </a:r>
-            <a:r>
-              <a:rPr kumimoji="1" lang="en-US" altLang="ja-JP" dirty="0" smtClean="0"/>
-              <a:t>base64</a:t>
-            </a:r>
-            <a:r>
-              <a:rPr kumimoji="1" lang="ja-JP" altLang="en-US" dirty="0" smtClean="0"/>
-              <a:t>エンコードする前の文字列の生成までは合っていることが確認できたので、</a:t>
-            </a:r>
-            <a:r>
-              <a:rPr lang="ja-JP" altLang="en-US" dirty="0" smtClean="0"/>
-              <a:t>ハッシュ化とエンコードのやり方を変えて正しい署名を生成する。</a:t>
-            </a:r>
-            <a:endParaRPr kumimoji="1" lang="ja-JP" altLang="en-US" dirty="0"/>
-          </a:p>
-        </p:txBody>
-      </p:sp>
-      <p:sp>
-        <p:nvSpPr>
-          <p:cNvPr id="4" name="スライド番号プレースホルダー 3"/>
-          <p:cNvSpPr>
-            <a:spLocks noGrp="1"/>
-          </p:cNvSpPr>
-          <p:nvPr>
-            <p:ph type="sldNum" sz="quarter" idx="12"/>
-          </p:nvPr>
-        </p:nvSpPr>
-        <p:spPr/>
-        <p:txBody>
-          <a:bodyPr/>
-          <a:lstStyle/>
-          <a:p>
-            <a:pPr algn="ctr"/>
-            <a:fld id="{CA23F248-F353-4F36-A746-B1953A38AE2D}" type="slidenum">
-              <a:rPr lang="ja-JP" altLang="en-US" smtClean="0"/>
-              <a:pPr algn="ctr"/>
-              <a:t>8</a:t>
-            </a:fld>
-            <a:endParaRPr lang="ja-JP" altLang="en-US" dirty="0"/>
-          </a:p>
-        </p:txBody>
-      </p:sp>
-    </p:spTree>
-    <p:extLst>
-      <p:ext uri="{BB962C8B-B14F-4D97-AF65-F5344CB8AC3E}">
-        <p14:creationId xmlns:p14="http://schemas.microsoft.com/office/powerpoint/2010/main" val="893208887"/>
       </p:ext>
     </p:extLst>
   </p:cSld>

--- a/テンプレ.pptx
+++ b/テンプレ.pptx
@@ -220,7 +220,7 @@
           <a:p>
             <a:fld id="{803DD6A6-FCD2-4EE7-8E6E-99C1A1F687BC}" type="datetimeFigureOut">
               <a:rPr kumimoji="1" lang="ja-JP" altLang="en-US" smtClean="0"/>
-              <a:t>2018/10/20</a:t>
+              <a:t>2018/12/3</a:t>
             </a:fld>
             <a:endParaRPr kumimoji="1" lang="ja-JP" altLang="en-US"/>
           </a:p>
@@ -905,7 +905,7 @@
           <a:p>
             <a:fld id="{0C2D592E-2292-4305-9592-EC97400E21B7}" type="datetime1">
               <a:rPr kumimoji="1" lang="ja-JP" altLang="en-US" smtClean="0"/>
-              <a:t>2018/10/20</a:t>
+              <a:t>2018/12/3</a:t>
             </a:fld>
             <a:endParaRPr kumimoji="1" lang="ja-JP" altLang="en-US"/>
           </a:p>
@@ -1115,7 +1115,7 @@
           <a:p>
             <a:fld id="{E508CA83-B01D-4BAB-B4E2-CF9244F45EF5}" type="datetime1">
               <a:rPr kumimoji="1" lang="ja-JP" altLang="en-US" smtClean="0"/>
-              <a:t>2018/10/20</a:t>
+              <a:t>2018/12/3</a:t>
             </a:fld>
             <a:endParaRPr kumimoji="1" lang="ja-JP" altLang="en-US"/>
           </a:p>
@@ -1320,7 +1320,7 @@
           <a:p>
             <a:fld id="{01E93D1F-BE2F-43FF-9803-5758F1FF87BE}" type="datetime1">
               <a:rPr kumimoji="1" lang="ja-JP" altLang="en-US" smtClean="0"/>
-              <a:t>2018/10/20</a:t>
+              <a:t>2018/12/3</a:t>
             </a:fld>
             <a:endParaRPr kumimoji="1" lang="ja-JP" altLang="en-US"/>
           </a:p>
@@ -1637,7 +1637,7 @@
           <a:p>
             <a:fld id="{EFA39CE0-7535-4E0E-AFE3-F465E7C7C0FF}" type="datetime1">
               <a:rPr kumimoji="1" lang="ja-JP" altLang="en-US" smtClean="0"/>
-              <a:t>2018/10/20</a:t>
+              <a:t>2018/12/3</a:t>
             </a:fld>
             <a:endParaRPr kumimoji="1" lang="ja-JP" altLang="en-US"/>
           </a:p>
@@ -1986,7 +1986,7 @@
           <a:p>
             <a:fld id="{D45C9DD0-C75C-4A45-9030-13826D815CA0}" type="datetime1">
               <a:rPr kumimoji="1" lang="ja-JP" altLang="en-US" smtClean="0"/>
-              <a:t>2018/10/20</a:t>
+              <a:t>2018/12/3</a:t>
             </a:fld>
             <a:endParaRPr kumimoji="1" lang="ja-JP" altLang="en-US"/>
           </a:p>
@@ -2469,7 +2469,7 @@
           <a:p>
             <a:fld id="{CCA1C7AD-18BB-4F25-AC23-F39BF79F4D77}" type="datetime1">
               <a:rPr kumimoji="1" lang="ja-JP" altLang="en-US" smtClean="0"/>
-              <a:t>2018/10/20</a:t>
+              <a:t>2018/12/3</a:t>
             </a:fld>
             <a:endParaRPr kumimoji="1" lang="ja-JP" altLang="en-US"/>
           </a:p>
@@ -2586,7 +2586,7 @@
           <a:p>
             <a:fld id="{AF8EE08C-AC9E-42E7-9719-2A54CCDFBD7D}" type="datetime1">
               <a:rPr kumimoji="1" lang="ja-JP" altLang="en-US" smtClean="0"/>
-              <a:t>2018/10/20</a:t>
+              <a:t>2018/12/3</a:t>
             </a:fld>
             <a:endParaRPr kumimoji="1" lang="ja-JP" altLang="en-US"/>
           </a:p>
@@ -2681,7 +2681,7 @@
           <a:p>
             <a:fld id="{B8073CA2-C66C-41D1-B499-CAA6DB7D7D3A}" type="datetime1">
               <a:rPr kumimoji="1" lang="ja-JP" altLang="en-US" smtClean="0"/>
-              <a:t>2018/10/20</a:t>
+              <a:t>2018/12/3</a:t>
             </a:fld>
             <a:endParaRPr kumimoji="1" lang="ja-JP" altLang="en-US"/>
           </a:p>
@@ -2988,7 +2988,7 @@
           <a:p>
             <a:fld id="{DFBD8235-0C14-4155-9991-B1E146E33912}" type="datetime1">
               <a:rPr kumimoji="1" lang="ja-JP" altLang="en-US" smtClean="0"/>
-              <a:t>2018/10/20</a:t>
+              <a:t>2018/12/3</a:t>
             </a:fld>
             <a:endParaRPr kumimoji="1" lang="ja-JP" altLang="en-US"/>
           </a:p>
@@ -3243,7 +3243,7 @@
           <a:p>
             <a:fld id="{2A91B658-7182-4FD9-A82F-002C38D9BA43}" type="datetime1">
               <a:rPr kumimoji="1" lang="ja-JP" altLang="en-US" smtClean="0"/>
-              <a:t>2018/10/20</a:t>
+              <a:t>2018/12/3</a:t>
             </a:fld>
             <a:endParaRPr kumimoji="1" lang="ja-JP" altLang="en-US"/>
           </a:p>
@@ -3486,7 +3486,7 @@
           <a:p>
             <a:fld id="{5EABF07F-C525-453C-82CD-1DECD51CCA53}" type="datetime1">
               <a:rPr kumimoji="1" lang="ja-JP" altLang="en-US" smtClean="0"/>
-              <a:t>2018/10/20</a:t>
+              <a:t>2018/12/3</a:t>
             </a:fld>
             <a:endParaRPr kumimoji="1" lang="ja-JP" altLang="en-US"/>
           </a:p>
@@ -3883,7 +3883,22 @@
             </a:r>
             <a:r>
               <a:rPr lang="ja-JP" altLang="en-US" dirty="0"/>
-              <a:t>に準拠したネットワーク学習システムの開発</a:t>
+              <a:t>に準拠</a:t>
+            </a:r>
+            <a:r>
+              <a:rPr lang="ja-JP" altLang="en-US"/>
+              <a:t>したネットワーク</a:t>
+            </a:r>
+            <a:br>
+              <a:rPr lang="en-US" altLang="ja-JP"/>
+            </a:br>
+            <a:r>
+              <a:rPr lang="ja-JP" altLang="en-US"/>
+              <a:t>学習</a:t>
+            </a:r>
+            <a:r>
+              <a:rPr lang="ja-JP" altLang="en-US" dirty="0"/>
+              <a:t>システムの開発</a:t>
             </a:r>
             <a:endParaRPr kumimoji="1" lang="ja-JP" altLang="en-US" dirty="0"/>
           </a:p>

--- a/テンプレ.pptx
+++ b/テンプレ.pptx
@@ -220,7 +220,7 @@
           <a:p>
             <a:fld id="{803DD6A6-FCD2-4EE7-8E6E-99C1A1F687BC}" type="datetimeFigureOut">
               <a:rPr kumimoji="1" lang="ja-JP" altLang="en-US" smtClean="0"/>
-              <a:t>2018/12/3</a:t>
+              <a:t>2018/12/10</a:t>
             </a:fld>
             <a:endParaRPr kumimoji="1" lang="ja-JP" altLang="en-US"/>
           </a:p>
@@ -905,7 +905,7 @@
           <a:p>
             <a:fld id="{0C2D592E-2292-4305-9592-EC97400E21B7}" type="datetime1">
               <a:rPr kumimoji="1" lang="ja-JP" altLang="en-US" smtClean="0"/>
-              <a:t>2018/12/3</a:t>
+              <a:t>2018/12/10</a:t>
             </a:fld>
             <a:endParaRPr kumimoji="1" lang="ja-JP" altLang="en-US"/>
           </a:p>
@@ -1115,7 +1115,7 @@
           <a:p>
             <a:fld id="{E508CA83-B01D-4BAB-B4E2-CF9244F45EF5}" type="datetime1">
               <a:rPr kumimoji="1" lang="ja-JP" altLang="en-US" smtClean="0"/>
-              <a:t>2018/12/3</a:t>
+              <a:t>2018/12/10</a:t>
             </a:fld>
             <a:endParaRPr kumimoji="1" lang="ja-JP" altLang="en-US"/>
           </a:p>
@@ -1320,7 +1320,7 @@
           <a:p>
             <a:fld id="{01E93D1F-BE2F-43FF-9803-5758F1FF87BE}" type="datetime1">
               <a:rPr kumimoji="1" lang="ja-JP" altLang="en-US" smtClean="0"/>
-              <a:t>2018/12/3</a:t>
+              <a:t>2018/12/10</a:t>
             </a:fld>
             <a:endParaRPr kumimoji="1" lang="ja-JP" altLang="en-US"/>
           </a:p>
@@ -1637,7 +1637,7 @@
           <a:p>
             <a:fld id="{EFA39CE0-7535-4E0E-AFE3-F465E7C7C0FF}" type="datetime1">
               <a:rPr kumimoji="1" lang="ja-JP" altLang="en-US" smtClean="0"/>
-              <a:t>2018/12/3</a:t>
+              <a:t>2018/12/10</a:t>
             </a:fld>
             <a:endParaRPr kumimoji="1" lang="ja-JP" altLang="en-US"/>
           </a:p>
@@ -1986,7 +1986,7 @@
           <a:p>
             <a:fld id="{D45C9DD0-C75C-4A45-9030-13826D815CA0}" type="datetime1">
               <a:rPr kumimoji="1" lang="ja-JP" altLang="en-US" smtClean="0"/>
-              <a:t>2018/12/3</a:t>
+              <a:t>2018/12/10</a:t>
             </a:fld>
             <a:endParaRPr kumimoji="1" lang="ja-JP" altLang="en-US"/>
           </a:p>
@@ -2469,7 +2469,7 @@
           <a:p>
             <a:fld id="{CCA1C7AD-18BB-4F25-AC23-F39BF79F4D77}" type="datetime1">
               <a:rPr kumimoji="1" lang="ja-JP" altLang="en-US" smtClean="0"/>
-              <a:t>2018/12/3</a:t>
+              <a:t>2018/12/10</a:t>
             </a:fld>
             <a:endParaRPr kumimoji="1" lang="ja-JP" altLang="en-US"/>
           </a:p>
@@ -2586,7 +2586,7 @@
           <a:p>
             <a:fld id="{AF8EE08C-AC9E-42E7-9719-2A54CCDFBD7D}" type="datetime1">
               <a:rPr kumimoji="1" lang="ja-JP" altLang="en-US" smtClean="0"/>
-              <a:t>2018/12/3</a:t>
+              <a:t>2018/12/10</a:t>
             </a:fld>
             <a:endParaRPr kumimoji="1" lang="ja-JP" altLang="en-US"/>
           </a:p>
@@ -2681,7 +2681,7 @@
           <a:p>
             <a:fld id="{B8073CA2-C66C-41D1-B499-CAA6DB7D7D3A}" type="datetime1">
               <a:rPr kumimoji="1" lang="ja-JP" altLang="en-US" smtClean="0"/>
-              <a:t>2018/12/3</a:t>
+              <a:t>2018/12/10</a:t>
             </a:fld>
             <a:endParaRPr kumimoji="1" lang="ja-JP" altLang="en-US"/>
           </a:p>
@@ -2988,7 +2988,7 @@
           <a:p>
             <a:fld id="{DFBD8235-0C14-4155-9991-B1E146E33912}" type="datetime1">
               <a:rPr kumimoji="1" lang="ja-JP" altLang="en-US" smtClean="0"/>
-              <a:t>2018/12/3</a:t>
+              <a:t>2018/12/10</a:t>
             </a:fld>
             <a:endParaRPr kumimoji="1" lang="ja-JP" altLang="en-US"/>
           </a:p>
@@ -3243,7 +3243,7 @@
           <a:p>
             <a:fld id="{2A91B658-7182-4FD9-A82F-002C38D9BA43}" type="datetime1">
               <a:rPr kumimoji="1" lang="ja-JP" altLang="en-US" smtClean="0"/>
-              <a:t>2018/12/3</a:t>
+              <a:t>2018/12/10</a:t>
             </a:fld>
             <a:endParaRPr kumimoji="1" lang="ja-JP" altLang="en-US"/>
           </a:p>
@@ -3486,7 +3486,7 @@
           <a:p>
             <a:fld id="{5EABF07F-C525-453C-82CD-1DECD51CCA53}" type="datetime1">
               <a:rPr kumimoji="1" lang="ja-JP" altLang="en-US" smtClean="0"/>
-              <a:t>2018/12/3</a:t>
+              <a:t>2018/12/10</a:t>
             </a:fld>
             <a:endParaRPr kumimoji="1" lang="ja-JP" altLang="en-US"/>
           </a:p>
@@ -3874,7 +3874,9 @@
         </p:nvSpPr>
         <p:spPr/>
         <p:txBody>
-          <a:bodyPr/>
+          <a:bodyPr>
+            <a:normAutofit/>
+          </a:bodyPr>
           <a:lstStyle/>
           <a:p>
             <a:r>
@@ -3890,15 +3892,11 @@
               <a:t>したネットワーク</a:t>
             </a:r>
             <a:br>
-              <a:rPr lang="en-US" altLang="ja-JP"/>
+              <a:rPr lang="en-US" altLang="ja-JP" dirty="0"/>
             </a:br>
             <a:r>
               <a:rPr lang="ja-JP" altLang="en-US"/>
-              <a:t>学習</a:t>
-            </a:r>
-            <a:r>
-              <a:rPr lang="ja-JP" altLang="en-US" dirty="0"/>
-              <a:t>システムの開発</a:t>
+              <a:t>自己学習機能の提案と実装</a:t>
             </a:r>
             <a:endParaRPr kumimoji="1" lang="ja-JP" altLang="en-US" dirty="0"/>
           </a:p>
